--- a/CastReporting.Reporting.Core/Templates/Portfolio/Portfolio component library/Portfolio Generic Table Definition.pptx
+++ b/CastReporting.Reporting.Core/Templates/Portfolio/Portfolio component library/Portfolio Generic Table Definition.pptx
@@ -5,7 +5,7 @@
     <p:sldMasterId id="2147483648" r:id="rId1"/>
   </p:sldMasterIdLst>
   <p:notesMasterIdLst>
-    <p:notesMasterId r:id="rId13"/>
+    <p:notesMasterId r:id="rId14"/>
   </p:notesMasterIdLst>
   <p:sldIdLst>
     <p:sldId id="387" r:id="rId2"/>
@@ -18,7 +18,8 @@
     <p:sldId id="388" r:id="rId9"/>
     <p:sldId id="389" r:id="rId10"/>
     <p:sldId id="390" r:id="rId11"/>
-    <p:sldId id="386" r:id="rId12"/>
+    <p:sldId id="391" r:id="rId12"/>
+    <p:sldId id="386" r:id="rId13"/>
   </p:sldIdLst>
   <p:sldSz cx="12192000" cy="6858000"/>
   <p:notesSz cx="6858000" cy="9144000"/>
@@ -218,7 +219,7 @@
           <a:p>
             <a:fld id="{BE7CF963-E58D-FC4D-BA9E-60A980752DC6}" type="datetimeFigureOut">
               <a:rPr lang="en-US" smtClean="0"/>
-              <a:t>9/19/2019</a:t>
+              <a:t>10/26/2021</a:t>
             </a:fld>
             <a:endParaRPr lang="en-US"/>
           </a:p>
@@ -791,7 +792,7 @@
           <a:p>
             <a:fld id="{B590C078-9131-4E49-8A0D-400FEE8377B5}" type="datetimeFigureOut">
               <a:rPr lang="en-US" smtClean="0"/>
-              <a:t>9/19/2019</a:t>
+              <a:t>10/26/2021</a:t>
             </a:fld>
             <a:endParaRPr lang="en-US"/>
           </a:p>
@@ -4376,7 +4377,7 @@
           <a:p>
             <a:fld id="{B590C078-9131-4E49-8A0D-400FEE8377B5}" type="datetimeFigureOut">
               <a:rPr lang="en-US" smtClean="0"/>
-              <a:t>9/19/2019</a:t>
+              <a:t>10/26/2021</a:t>
             </a:fld>
             <a:endParaRPr lang="en-US"/>
           </a:p>
@@ -8454,7 +8455,7 @@
           <a:p>
             <a:fld id="{B590C078-9131-4E49-8A0D-400FEE8377B5}" type="datetimeFigureOut">
               <a:rPr lang="en-US" smtClean="0"/>
-              <a:t>9/19/2019</a:t>
+              <a:t>10/26/2021</a:t>
             </a:fld>
             <a:endParaRPr lang="en-US"/>
           </a:p>
@@ -12279,7 +12280,7 @@
           <a:p>
             <a:fld id="{B590C078-9131-4E49-8A0D-400FEE8377B5}" type="datetimeFigureOut">
               <a:rPr lang="en-US" smtClean="0"/>
-              <a:t>9/19/2019</a:t>
+              <a:t>10/26/2021</a:t>
             </a:fld>
             <a:endParaRPr lang="en-US"/>
           </a:p>
@@ -12811,13 +12812,13 @@
         </p:nvSpPr>
         <p:spPr>
           <a:xfrm>
-            <a:off x="293709" y="1333500"/>
-            <a:ext cx="10939670" cy="5181600"/>
+            <a:off x="293709" y="1073791"/>
+            <a:ext cx="10939670" cy="5656749"/>
           </a:xfrm>
         </p:spPr>
         <p:txBody>
           <a:bodyPr>
-            <a:normAutofit/>
+            <a:normAutofit lnSpcReduction="10000"/>
           </a:bodyPr>
           <a:lstStyle/>
           <a:p>
@@ -12906,39 +12907,61 @@
             </a:r>
           </a:p>
           <a:p>
-            <a:endParaRPr lang="fr-FR" dirty="0">
-              <a:solidFill>
-                <a:schemeClr val="accent6"/>
-              </a:solidFill>
-            </a:endParaRPr>
+            <a:r>
+              <a:rPr lang="fr-FR" dirty="0">
+                <a:solidFill>
+                  <a:srgbClr val="7F7F7F"/>
+                </a:solidFill>
+              </a:rPr>
+              <a:t>OMG_TECHNICAL_DEBT**</a:t>
+            </a:r>
           </a:p>
           <a:p>
             <a:pPr marL="0" indent="0">
               <a:buNone/>
             </a:pPr>
-            <a:r>
-              <a:rPr lang="en-GB" sz="1600" dirty="0"/>
-              <a:t>* To get results on violations or critical violations on a specific metrics, add the axis “METRICS=M” where M is a metric id from quality model (</a:t>
-            </a:r>
-            <a:r>
-              <a:rPr lang="en-GB" sz="1600" dirty="0" err="1"/>
-              <a:t>eg</a:t>
-            </a:r>
-            <a:r>
-              <a:rPr lang="en-GB" sz="1600" dirty="0"/>
-              <a:t> page 4)</a:t>
-            </a:r>
-            <a:endParaRPr lang="en-US" sz="1600" dirty="0"/>
+            <a:endParaRPr lang="en-GB" sz="1400" dirty="0"/>
           </a:p>
           <a:p>
             <a:pPr marL="0" indent="0">
               <a:buNone/>
             </a:pPr>
-            <a:endParaRPr lang="fr-FR" dirty="0">
-              <a:solidFill>
-                <a:schemeClr val="accent1"/>
-              </a:solidFill>
-            </a:endParaRPr>
+            <a:r>
+              <a:rPr lang="en-GB" sz="1400" dirty="0"/>
+              <a:t>* To get results on violations or critical violations on a specific metrics, add the axis “METRICS=M” where M is a metric id from quality model (</a:t>
+            </a:r>
+            <a:r>
+              <a:rPr lang="en-GB" sz="1400" dirty="0" err="1"/>
+              <a:t>eg</a:t>
+            </a:r>
+            <a:r>
+              <a:rPr lang="en-GB" sz="1400" dirty="0"/>
+              <a:t> page 4)</a:t>
+            </a:r>
+          </a:p>
+          <a:p>
+            <a:pPr marL="0" indent="0">
+              <a:buNone/>
+            </a:pPr>
+            <a:r>
+              <a:rPr lang="en-US" sz="1400" dirty="0"/>
+              <a:t>** Requires installation of OMG Technical Debt Measure (&gt;2.0.0 </a:t>
+            </a:r>
+            <a:r>
+              <a:rPr lang="en-US" sz="1400" dirty="0" err="1"/>
+              <a:t>funcrel</a:t>
+            </a:r>
+            <a:r>
+              <a:rPr lang="en-US" sz="1400" dirty="0"/>
+              <a:t>) (and ISO-5055 Index extensions and/or CISQ Index extensions).</a:t>
+            </a:r>
+            <a:br>
+              <a:rPr lang="en-US" sz="1400" dirty="0"/>
+            </a:br>
+            <a:r>
+              <a:rPr lang="en-US" sz="1400" dirty="0"/>
+              <a:t>To get results on Omg Technical Debt on a specific metric, add the axis "METRICS=M" where M is the index id (ISO, CISQ or AIP)</a:t>
+            </a:r>
           </a:p>
         </p:txBody>
       </p:sp>
@@ -12980,8 +13003,8 @@
         </p:nvSpPr>
         <p:spPr>
           <a:xfrm>
-            <a:off x="3666015" y="1746127"/>
-            <a:ext cx="560589" cy="322080"/>
+            <a:off x="3666015" y="1502846"/>
+            <a:ext cx="560589" cy="231699"/>
           </a:xfrm>
           <a:prstGeom prst="roundRect">
             <a:avLst/>
@@ -13015,10 +13038,10 @@
           <a:p>
             <a:pPr algn="ctr"/>
             <a:r>
-              <a:rPr lang="en-US" sz="1200" dirty="0"/>
+              <a:rPr lang="en-US" sz="1100" dirty="0"/>
               <a:t>&lt;ID&gt;</a:t>
             </a:r>
-            <a:endParaRPr lang="en-US" dirty="0"/>
+            <a:endParaRPr lang="en-US" sz="1600" dirty="0"/>
           </a:p>
         </p:txBody>
       </p:sp>
@@ -13030,8 +13053,8 @@
         </p:nvSpPr>
         <p:spPr>
           <a:xfrm>
-            <a:off x="4294088" y="1746127"/>
-            <a:ext cx="1540708" cy="322080"/>
+            <a:off x="4294088" y="1502846"/>
+            <a:ext cx="1540708" cy="231699"/>
           </a:xfrm>
           <a:prstGeom prst="roundRect">
             <a:avLst/>
@@ -13065,10 +13088,10 @@
           <a:p>
             <a:pPr algn="ctr"/>
             <a:r>
-              <a:rPr lang="en-US" sz="1200" dirty="0"/>
+              <a:rPr lang="en-US" sz="1100" dirty="0"/>
               <a:t>HEALTH_FACTOR</a:t>
             </a:r>
-            <a:endParaRPr lang="en-US" dirty="0"/>
+            <a:endParaRPr lang="en-US" sz="1600" dirty="0"/>
           </a:p>
         </p:txBody>
       </p:sp>
@@ -13080,8 +13103,8 @@
         </p:nvSpPr>
         <p:spPr>
           <a:xfrm>
-            <a:off x="5902280" y="1746127"/>
-            <a:ext cx="1790858" cy="322080"/>
+            <a:off x="5902280" y="1502846"/>
+            <a:ext cx="1790858" cy="231699"/>
           </a:xfrm>
           <a:prstGeom prst="roundRect">
             <a:avLst/>
@@ -13115,10 +13138,10 @@
           <a:p>
             <a:pPr algn="ctr"/>
             <a:r>
-              <a:rPr lang="en-US" sz="1200" dirty="0"/>
+              <a:rPr lang="en-US" sz="1100" dirty="0"/>
               <a:t>BUSINESS_CRITERIA</a:t>
             </a:r>
-            <a:endParaRPr lang="en-US" dirty="0"/>
+            <a:endParaRPr lang="en-US" sz="1600" dirty="0"/>
           </a:p>
         </p:txBody>
       </p:sp>
@@ -13130,8 +13153,8 @@
         </p:nvSpPr>
         <p:spPr>
           <a:xfrm>
-            <a:off x="7760622" y="1746127"/>
-            <a:ext cx="1887485" cy="322080"/>
+            <a:off x="7760622" y="1502846"/>
+            <a:ext cx="1887485" cy="231699"/>
           </a:xfrm>
           <a:prstGeom prst="roundRect">
             <a:avLst/>
@@ -13165,10 +13188,10 @@
           <a:p>
             <a:pPr algn="ctr"/>
             <a:r>
-              <a:rPr lang="en-US" sz="1200" dirty="0"/>
+              <a:rPr lang="en-US" sz="1100" dirty="0"/>
               <a:t>TECHNICAL_CRITERIA</a:t>
             </a:r>
-            <a:endParaRPr lang="en-US" dirty="0"/>
+            <a:endParaRPr lang="en-US" sz="1600" dirty="0"/>
           </a:p>
         </p:txBody>
       </p:sp>
@@ -13180,8 +13203,8 @@
         </p:nvSpPr>
         <p:spPr>
           <a:xfrm>
-            <a:off x="9715591" y="1746127"/>
-            <a:ext cx="1500390" cy="322080"/>
+            <a:off x="9715591" y="1502846"/>
+            <a:ext cx="1500390" cy="231699"/>
           </a:xfrm>
           <a:prstGeom prst="roundRect">
             <a:avLst/>
@@ -13215,10 +13238,10 @@
           <a:p>
             <a:pPr algn="ctr"/>
             <a:r>
-              <a:rPr lang="en-US" sz="1200" dirty="0"/>
+              <a:rPr lang="en-US" sz="1100" dirty="0"/>
               <a:t>QUALITY_RULES</a:t>
             </a:r>
-            <a:endParaRPr lang="en-US" dirty="0"/>
+            <a:endParaRPr lang="en-US" sz="1600" dirty="0"/>
           </a:p>
         </p:txBody>
       </p:sp>
@@ -13230,8 +13253,8 @@
         </p:nvSpPr>
         <p:spPr>
           <a:xfrm>
-            <a:off x="3666015" y="2150774"/>
-            <a:ext cx="1769278" cy="322080"/>
+            <a:off x="3666015" y="1907493"/>
+            <a:ext cx="1769278" cy="231699"/>
           </a:xfrm>
           <a:prstGeom prst="roundRect">
             <a:avLst/>
@@ -13265,10 +13288,10 @@
           <a:p>
             <a:pPr algn="ctr"/>
             <a:r>
-              <a:rPr lang="en-US" sz="1200" dirty="0"/>
+              <a:rPr lang="en-US" sz="1100" dirty="0"/>
               <a:t>TECHNICAL_SIZING</a:t>
             </a:r>
-            <a:endParaRPr lang="en-US" dirty="0"/>
+            <a:endParaRPr lang="en-US" sz="1600" dirty="0"/>
           </a:p>
         </p:txBody>
       </p:sp>
@@ -13280,8 +13303,8 @@
         </p:nvSpPr>
         <p:spPr>
           <a:xfrm>
-            <a:off x="5496638" y="2150774"/>
-            <a:ext cx="1913713" cy="322080"/>
+            <a:off x="5496638" y="1907493"/>
+            <a:ext cx="1913713" cy="231699"/>
           </a:xfrm>
           <a:prstGeom prst="roundRect">
             <a:avLst/>
@@ -13315,10 +13338,10 @@
           <a:p>
             <a:pPr algn="ctr"/>
             <a:r>
-              <a:rPr lang="en-US" sz="1200" dirty="0"/>
+              <a:rPr lang="en-US" sz="1100" dirty="0"/>
               <a:t>FUNCTIONAL_WEIGHT</a:t>
             </a:r>
-            <a:endParaRPr lang="en-US" dirty="0"/>
+            <a:endParaRPr lang="en-US" sz="1600" dirty="0"/>
           </a:p>
         </p:txBody>
       </p:sp>
@@ -13330,8 +13353,8 @@
         </p:nvSpPr>
         <p:spPr>
           <a:xfrm>
-            <a:off x="7471696" y="2150774"/>
-            <a:ext cx="1608804" cy="322080"/>
+            <a:off x="7471696" y="1907493"/>
+            <a:ext cx="1608804" cy="231699"/>
           </a:xfrm>
           <a:prstGeom prst="roundRect">
             <a:avLst/>
@@ -13365,10 +13388,10 @@
           <a:p>
             <a:pPr algn="ctr"/>
             <a:r>
-              <a:rPr lang="en-US" sz="1200" dirty="0"/>
+              <a:rPr lang="en-US" sz="1100" strike="sngStrike" dirty="0"/>
               <a:t>TECHNICAL_DEBT</a:t>
             </a:r>
-            <a:endParaRPr lang="en-US" dirty="0"/>
+            <a:endParaRPr lang="en-US" sz="1600" strike="sngStrike" dirty="0"/>
           </a:p>
         </p:txBody>
       </p:sp>
@@ -13380,8 +13403,8 @@
         </p:nvSpPr>
         <p:spPr>
           <a:xfrm>
-            <a:off x="9141845" y="2150774"/>
-            <a:ext cx="1064968" cy="322080"/>
+            <a:off x="9141845" y="1907493"/>
+            <a:ext cx="1064968" cy="231699"/>
           </a:xfrm>
           <a:prstGeom prst="roundRect">
             <a:avLst/>
@@ -13415,10 +13438,10 @@
           <a:p>
             <a:pPr algn="ctr"/>
             <a:r>
-              <a:rPr lang="en-US" sz="1200" dirty="0"/>
+              <a:rPr lang="en-US" sz="1100" dirty="0"/>
               <a:t>VIOLATION</a:t>
             </a:r>
-            <a:endParaRPr lang="en-US" dirty="0"/>
+            <a:endParaRPr lang="en-US" sz="1600" dirty="0"/>
           </a:p>
         </p:txBody>
       </p:sp>
@@ -13430,8 +13453,8 @@
         </p:nvSpPr>
         <p:spPr>
           <a:xfrm>
-            <a:off x="10268157" y="2150774"/>
-            <a:ext cx="1813035" cy="322080"/>
+            <a:off x="10268157" y="1907493"/>
+            <a:ext cx="1813035" cy="239679"/>
           </a:xfrm>
           <a:prstGeom prst="roundRect">
             <a:avLst/>
@@ -13465,10 +13488,10 @@
           <a:p>
             <a:pPr algn="ctr"/>
             <a:r>
-              <a:rPr lang="en-US" sz="1200" dirty="0"/>
+              <a:rPr lang="en-US" sz="1100" dirty="0"/>
               <a:t>CRITICAL_VIOLATION</a:t>
             </a:r>
-            <a:endParaRPr lang="en-US" dirty="0"/>
+            <a:endParaRPr lang="en-US" sz="1600" dirty="0"/>
           </a:p>
         </p:txBody>
       </p:sp>
@@ -13480,8 +13503,8 @@
         </p:nvSpPr>
         <p:spPr>
           <a:xfrm>
-            <a:off x="3666015" y="2563605"/>
-            <a:ext cx="1064968" cy="322080"/>
+            <a:off x="3666015" y="2320324"/>
+            <a:ext cx="1064968" cy="231699"/>
           </a:xfrm>
           <a:prstGeom prst="roundRect">
             <a:avLst/>
@@ -13515,10 +13538,10 @@
           <a:p>
             <a:pPr algn="ctr"/>
             <a:r>
-              <a:rPr lang="en-US" sz="1200" dirty="0"/>
+              <a:rPr lang="en-US" sz="1100" dirty="0"/>
               <a:t>RUN_TIME</a:t>
             </a:r>
-            <a:endParaRPr lang="en-US" dirty="0"/>
+            <a:endParaRPr lang="en-US" sz="1600" dirty="0"/>
           </a:p>
         </p:txBody>
       </p:sp>
@@ -13530,8 +13553,8 @@
         </p:nvSpPr>
         <p:spPr>
           <a:xfrm>
-            <a:off x="3669037" y="3050701"/>
-            <a:ext cx="998420" cy="322080"/>
+            <a:off x="3669037" y="2715141"/>
+            <a:ext cx="998420" cy="231699"/>
           </a:xfrm>
           <a:prstGeom prst="roundRect">
             <a:avLst/>
@@ -13565,10 +13588,10 @@
           <a:p>
             <a:pPr algn="ctr"/>
             <a:r>
-              <a:rPr lang="en-US" sz="1200" dirty="0"/>
+              <a:rPr lang="en-US" sz="1100" dirty="0"/>
               <a:t>&lt;NAME&gt;</a:t>
             </a:r>
-            <a:endParaRPr lang="en-US" dirty="0"/>
+            <a:endParaRPr lang="en-US" sz="1600" dirty="0"/>
           </a:p>
         </p:txBody>
       </p:sp>
@@ -13580,8 +13603,8 @@
         </p:nvSpPr>
         <p:spPr>
           <a:xfrm>
-            <a:off x="4731919" y="3050701"/>
-            <a:ext cx="524699" cy="322080"/>
+            <a:off x="4731919" y="2715141"/>
+            <a:ext cx="524699" cy="231699"/>
           </a:xfrm>
           <a:prstGeom prst="roundRect">
             <a:avLst/>
@@ -13615,10 +13638,10 @@
           <a:p>
             <a:pPr algn="ctr"/>
             <a:r>
-              <a:rPr lang="en-US" sz="1200" dirty="0"/>
+              <a:rPr lang="en-US" sz="1100" dirty="0"/>
               <a:t>ALL</a:t>
             </a:r>
-            <a:endParaRPr lang="en-US" dirty="0"/>
+            <a:endParaRPr lang="en-US" sz="1600" dirty="0"/>
           </a:p>
         </p:txBody>
       </p:sp>
@@ -13630,8 +13653,8 @@
         </p:nvSpPr>
         <p:spPr>
           <a:xfrm>
-            <a:off x="3675948" y="3441131"/>
-            <a:ext cx="998420" cy="322080"/>
+            <a:off x="3675948" y="3080404"/>
+            <a:ext cx="998420" cy="231699"/>
           </a:xfrm>
           <a:prstGeom prst="roundRect">
             <a:avLst/>
@@ -13667,10 +13690,10 @@
           <a:p>
             <a:pPr algn="ctr"/>
             <a:r>
-              <a:rPr lang="en-US" sz="1200" dirty="0"/>
+              <a:rPr lang="en-US" sz="1100" dirty="0"/>
               <a:t>TOTAL</a:t>
             </a:r>
-            <a:endParaRPr lang="en-US" dirty="0"/>
+            <a:endParaRPr lang="en-US" sz="1600" dirty="0"/>
           </a:p>
         </p:txBody>
       </p:sp>
@@ -13682,8 +13705,8 @@
         </p:nvSpPr>
         <p:spPr>
           <a:xfrm>
-            <a:off x="4738830" y="3441131"/>
-            <a:ext cx="757808" cy="322080"/>
+            <a:off x="4738830" y="3080404"/>
+            <a:ext cx="757808" cy="231699"/>
           </a:xfrm>
           <a:prstGeom prst="roundRect">
             <a:avLst/>
@@ -13719,10 +13742,10 @@
           <a:p>
             <a:pPr algn="ctr"/>
             <a:r>
-              <a:rPr lang="en-US" sz="1200" dirty="0"/>
+              <a:rPr lang="en-US" sz="1100" dirty="0"/>
               <a:t>ADDED</a:t>
             </a:r>
-            <a:endParaRPr lang="en-US" dirty="0"/>
+            <a:endParaRPr lang="en-US" sz="1600" dirty="0"/>
           </a:p>
         </p:txBody>
       </p:sp>
@@ -13734,8 +13757,8 @@
         </p:nvSpPr>
         <p:spPr>
           <a:xfrm>
-            <a:off x="5562981" y="3441131"/>
-            <a:ext cx="1036683" cy="322080"/>
+            <a:off x="5562981" y="3080404"/>
+            <a:ext cx="1036683" cy="231699"/>
           </a:xfrm>
           <a:prstGeom prst="roundRect">
             <a:avLst/>
@@ -13771,10 +13794,10 @@
           <a:p>
             <a:pPr algn="ctr"/>
             <a:r>
-              <a:rPr lang="en-US" sz="1200" dirty="0"/>
+              <a:rPr lang="en-US" sz="1100" dirty="0"/>
               <a:t>REMOVED</a:t>
             </a:r>
-            <a:endParaRPr lang="en-US" dirty="0"/>
+            <a:endParaRPr lang="en-US" sz="1600" dirty="0"/>
           </a:p>
         </p:txBody>
       </p:sp>
@@ -13786,8 +13809,8 @@
         </p:nvSpPr>
         <p:spPr>
           <a:xfrm>
-            <a:off x="6652095" y="3444523"/>
-            <a:ext cx="484353" cy="322080"/>
+            <a:off x="6652095" y="3083796"/>
+            <a:ext cx="484353" cy="231699"/>
           </a:xfrm>
           <a:prstGeom prst="roundRect">
             <a:avLst/>
@@ -13823,10 +13846,10 @@
           <a:p>
             <a:pPr algn="ctr"/>
             <a:r>
-              <a:rPr lang="en-US" sz="1200" dirty="0"/>
+              <a:rPr lang="en-US" sz="1100" dirty="0"/>
               <a:t>ALL</a:t>
             </a:r>
-            <a:endParaRPr lang="en-US" dirty="0"/>
+            <a:endParaRPr lang="en-US" sz="1600" dirty="0"/>
           </a:p>
         </p:txBody>
       </p:sp>
@@ -13838,8 +13861,8 @@
         </p:nvSpPr>
         <p:spPr>
           <a:xfrm>
-            <a:off x="3702225" y="3866796"/>
-            <a:ext cx="998420" cy="322080"/>
+            <a:off x="3702225" y="3514458"/>
+            <a:ext cx="998420" cy="231699"/>
           </a:xfrm>
           <a:prstGeom prst="roundRect">
             <a:avLst/>
@@ -13873,10 +13896,10 @@
           <a:p>
             <a:pPr algn="ctr"/>
             <a:r>
-              <a:rPr lang="en-US" sz="1200" dirty="0"/>
+              <a:rPr lang="en-US" sz="1100" dirty="0"/>
               <a:t>TOTAL</a:t>
             </a:r>
-            <a:endParaRPr lang="en-US" dirty="0"/>
+            <a:endParaRPr lang="en-US" sz="1600" dirty="0"/>
           </a:p>
         </p:txBody>
       </p:sp>
@@ -13888,8 +13911,8 @@
         </p:nvSpPr>
         <p:spPr>
           <a:xfrm>
-            <a:off x="4765107" y="3866796"/>
-            <a:ext cx="757808" cy="322080"/>
+            <a:off x="4765107" y="3514458"/>
+            <a:ext cx="757808" cy="231699"/>
           </a:xfrm>
           <a:prstGeom prst="roundRect">
             <a:avLst/>
@@ -13923,10 +13946,10 @@
           <a:p>
             <a:pPr algn="ctr"/>
             <a:r>
-              <a:rPr lang="en-US" sz="1200" dirty="0"/>
+              <a:rPr lang="en-US" sz="1100" dirty="0"/>
               <a:t>ADDED</a:t>
             </a:r>
-            <a:endParaRPr lang="en-US" dirty="0"/>
+            <a:endParaRPr lang="en-US" sz="1600" dirty="0"/>
           </a:p>
         </p:txBody>
       </p:sp>
@@ -13938,8 +13961,8 @@
         </p:nvSpPr>
         <p:spPr>
           <a:xfrm>
-            <a:off x="5589258" y="3866796"/>
-            <a:ext cx="1036683" cy="322080"/>
+            <a:off x="5589258" y="3514458"/>
+            <a:ext cx="1036683" cy="231699"/>
           </a:xfrm>
           <a:prstGeom prst="roundRect">
             <a:avLst/>
@@ -13973,10 +13996,10 @@
           <a:p>
             <a:pPr algn="ctr"/>
             <a:r>
-              <a:rPr lang="en-US" sz="1200" dirty="0"/>
+              <a:rPr lang="en-US" sz="1100" dirty="0"/>
               <a:t>REMOVED</a:t>
             </a:r>
-            <a:endParaRPr lang="en-US" dirty="0"/>
+            <a:endParaRPr lang="en-US" sz="1600" dirty="0"/>
           </a:p>
         </p:txBody>
       </p:sp>
@@ -13988,8 +14011,8 @@
         </p:nvSpPr>
         <p:spPr>
           <a:xfrm>
-            <a:off x="6678372" y="3858156"/>
-            <a:ext cx="484353" cy="322080"/>
+            <a:off x="6678372" y="3505818"/>
+            <a:ext cx="484353" cy="231699"/>
           </a:xfrm>
           <a:prstGeom prst="roundRect">
             <a:avLst/>
@@ -14023,10 +14046,10 @@
           <a:p>
             <a:pPr algn="ctr"/>
             <a:r>
-              <a:rPr lang="en-US" sz="1200" dirty="0"/>
+              <a:rPr lang="en-US" sz="1100" dirty="0"/>
               <a:t>ALL</a:t>
             </a:r>
-            <a:endParaRPr lang="en-US" dirty="0"/>
+            <a:endParaRPr lang="en-US" sz="1600" dirty="0"/>
           </a:p>
         </p:txBody>
       </p:sp>
@@ -14044,8 +14067,8 @@
         </p:nvSpPr>
         <p:spPr>
           <a:xfrm>
-            <a:off x="3701118" y="4297974"/>
-            <a:ext cx="998420" cy="322080"/>
+            <a:off x="3701118" y="3895302"/>
+            <a:ext cx="998420" cy="231699"/>
           </a:xfrm>
           <a:prstGeom prst="roundRect">
             <a:avLst/>
@@ -14079,10 +14102,10 @@
           <a:p>
             <a:pPr algn="ctr"/>
             <a:r>
-              <a:rPr lang="en-US" sz="1200" dirty="0"/>
+              <a:rPr lang="en-US" sz="1100" dirty="0"/>
               <a:t>&lt;NAME&gt;</a:t>
             </a:r>
-            <a:endParaRPr lang="en-US" dirty="0"/>
+            <a:endParaRPr lang="en-US" sz="1600" dirty="0"/>
           </a:p>
         </p:txBody>
       </p:sp>
@@ -14100,8 +14123,8 @@
         </p:nvSpPr>
         <p:spPr>
           <a:xfrm>
-            <a:off x="5311039" y="3050701"/>
-            <a:ext cx="781151" cy="322080"/>
+            <a:off x="5311039" y="2715141"/>
+            <a:ext cx="781151" cy="231699"/>
           </a:xfrm>
           <a:prstGeom prst="roundRect">
             <a:avLst/>
@@ -14135,10 +14158,10 @@
           <a:p>
             <a:pPr algn="ctr"/>
             <a:r>
-              <a:rPr lang="en-US" sz="1200" dirty="0"/>
+              <a:rPr lang="en-US" sz="1100" dirty="0"/>
               <a:t>EACH</a:t>
             </a:r>
-            <a:endParaRPr lang="en-US" dirty="0"/>
+            <a:endParaRPr lang="en-US" sz="1600" dirty="0"/>
           </a:p>
         </p:txBody>
       </p:sp>
@@ -14156,8 +14179,8 @@
         </p:nvSpPr>
         <p:spPr>
           <a:xfrm>
-            <a:off x="4757703" y="4294769"/>
-            <a:ext cx="781151" cy="322080"/>
+            <a:off x="4757703" y="3892097"/>
+            <a:ext cx="781151" cy="231699"/>
           </a:xfrm>
           <a:prstGeom prst="roundRect">
             <a:avLst/>
@@ -14191,10 +14214,10 @@
           <a:p>
             <a:pPr algn="ctr"/>
             <a:r>
-              <a:rPr lang="en-US" sz="1200" dirty="0"/>
+              <a:rPr lang="en-US" sz="1100" dirty="0"/>
               <a:t>EACH</a:t>
             </a:r>
-            <a:endParaRPr lang="en-US" dirty="0"/>
+            <a:endParaRPr lang="en-US" sz="1600" dirty="0"/>
           </a:p>
         </p:txBody>
       </p:sp>
@@ -14212,8 +14235,8 @@
         </p:nvSpPr>
         <p:spPr>
           <a:xfrm>
-            <a:off x="3706129" y="4788784"/>
-            <a:ext cx="1580670" cy="322080"/>
+            <a:off x="3706129" y="4302222"/>
+            <a:ext cx="1580670" cy="231699"/>
           </a:xfrm>
           <a:prstGeom prst="roundRect">
             <a:avLst/>
@@ -14247,10 +14270,234 @@
           <a:p>
             <a:pPr algn="ctr"/>
             <a:r>
-              <a:rPr lang="en-US" sz="1200" dirty="0"/>
+              <a:rPr lang="en-US" sz="1100" dirty="0"/>
               <a:t>&lt;EXPRESSIONS&gt;</a:t>
             </a:r>
-            <a:endParaRPr lang="en-US" dirty="0"/>
+            <a:endParaRPr lang="en-US" sz="1600" dirty="0"/>
+          </a:p>
+        </p:txBody>
+      </p:sp>
+      <p:sp>
+        <p:nvSpPr>
+          <p:cNvPr id="46" name="Rectangle: Rounded Corners 45">
+            <a:extLst>
+              <a:ext uri="{FF2B5EF4-FFF2-40B4-BE49-F238E27FC236}">
+                <a16:creationId xmlns:a16="http://schemas.microsoft.com/office/drawing/2014/main" id="{23022966-84C5-4DCD-91A2-99247BE9851E}"/>
+              </a:ext>
+            </a:extLst>
+          </p:cNvPr>
+          <p:cNvSpPr/>
+          <p:nvPr/>
+        </p:nvSpPr>
+        <p:spPr>
+          <a:xfrm>
+            <a:off x="3728790" y="4723872"/>
+            <a:ext cx="998420" cy="231699"/>
+          </a:xfrm>
+          <a:prstGeom prst="roundRect">
+            <a:avLst/>
+          </a:prstGeom>
+          <a:solidFill>
+            <a:srgbClr val="7F7F7F"/>
+          </a:solidFill>
+          <a:ln>
+            <a:noFill/>
+          </a:ln>
+        </p:spPr>
+        <p:style>
+          <a:lnRef idx="2">
+            <a:schemeClr val="accent1">
+              <a:shade val="50000"/>
+            </a:schemeClr>
+          </a:lnRef>
+          <a:fillRef idx="1">
+            <a:schemeClr val="accent1"/>
+          </a:fillRef>
+          <a:effectRef idx="0">
+            <a:schemeClr val="accent1"/>
+          </a:effectRef>
+          <a:fontRef idx="minor">
+            <a:schemeClr val="lt1"/>
+          </a:fontRef>
+        </p:style>
+        <p:txBody>
+          <a:bodyPr rtlCol="0" anchor="ctr"/>
+          <a:lstStyle/>
+          <a:p>
+            <a:pPr algn="ctr"/>
+            <a:r>
+              <a:rPr lang="en-US" sz="1100" dirty="0"/>
+              <a:t>TOTAL</a:t>
+            </a:r>
+            <a:endParaRPr lang="en-US" sz="1600" dirty="0"/>
+          </a:p>
+        </p:txBody>
+      </p:sp>
+      <p:sp>
+        <p:nvSpPr>
+          <p:cNvPr id="49" name="Rectangle: Rounded Corners 48">
+            <a:extLst>
+              <a:ext uri="{FF2B5EF4-FFF2-40B4-BE49-F238E27FC236}">
+                <a16:creationId xmlns:a16="http://schemas.microsoft.com/office/drawing/2014/main" id="{FF4DCBD1-14E7-4C0A-8821-DDBA1B1B6A89}"/>
+              </a:ext>
+            </a:extLst>
+          </p:cNvPr>
+          <p:cNvSpPr/>
+          <p:nvPr/>
+        </p:nvSpPr>
+        <p:spPr>
+          <a:xfrm>
+            <a:off x="4791672" y="4723872"/>
+            <a:ext cx="757808" cy="231699"/>
+          </a:xfrm>
+          <a:prstGeom prst="roundRect">
+            <a:avLst/>
+          </a:prstGeom>
+          <a:solidFill>
+            <a:srgbClr val="7F7F7F"/>
+          </a:solidFill>
+          <a:ln>
+            <a:noFill/>
+          </a:ln>
+        </p:spPr>
+        <p:style>
+          <a:lnRef idx="2">
+            <a:schemeClr val="accent1">
+              <a:shade val="50000"/>
+            </a:schemeClr>
+          </a:lnRef>
+          <a:fillRef idx="1">
+            <a:schemeClr val="accent1"/>
+          </a:fillRef>
+          <a:effectRef idx="0">
+            <a:schemeClr val="accent1"/>
+          </a:effectRef>
+          <a:fontRef idx="minor">
+            <a:schemeClr val="lt1"/>
+          </a:fontRef>
+        </p:style>
+        <p:txBody>
+          <a:bodyPr rtlCol="0" anchor="ctr"/>
+          <a:lstStyle/>
+          <a:p>
+            <a:pPr algn="ctr"/>
+            <a:r>
+              <a:rPr lang="en-US" sz="1100" dirty="0"/>
+              <a:t>ADDED</a:t>
+            </a:r>
+            <a:endParaRPr lang="en-US" sz="1600" dirty="0"/>
+          </a:p>
+        </p:txBody>
+      </p:sp>
+      <p:sp>
+        <p:nvSpPr>
+          <p:cNvPr id="50" name="Rectangle: Rounded Corners 49">
+            <a:extLst>
+              <a:ext uri="{FF2B5EF4-FFF2-40B4-BE49-F238E27FC236}">
+                <a16:creationId xmlns:a16="http://schemas.microsoft.com/office/drawing/2014/main" id="{B6AFC840-ADF3-4D2B-87D9-E3916A55A4A8}"/>
+              </a:ext>
+            </a:extLst>
+          </p:cNvPr>
+          <p:cNvSpPr/>
+          <p:nvPr/>
+        </p:nvSpPr>
+        <p:spPr>
+          <a:xfrm>
+            <a:off x="5615823" y="4723872"/>
+            <a:ext cx="1036683" cy="231699"/>
+          </a:xfrm>
+          <a:prstGeom prst="roundRect">
+            <a:avLst/>
+          </a:prstGeom>
+          <a:solidFill>
+            <a:srgbClr val="7F7F7F"/>
+          </a:solidFill>
+          <a:ln>
+            <a:noFill/>
+          </a:ln>
+        </p:spPr>
+        <p:style>
+          <a:lnRef idx="2">
+            <a:schemeClr val="accent1">
+              <a:shade val="50000"/>
+            </a:schemeClr>
+          </a:lnRef>
+          <a:fillRef idx="1">
+            <a:schemeClr val="accent1"/>
+          </a:fillRef>
+          <a:effectRef idx="0">
+            <a:schemeClr val="accent1"/>
+          </a:effectRef>
+          <a:fontRef idx="minor">
+            <a:schemeClr val="lt1"/>
+          </a:fontRef>
+        </p:style>
+        <p:txBody>
+          <a:bodyPr rtlCol="0" anchor="ctr"/>
+          <a:lstStyle/>
+          <a:p>
+            <a:pPr algn="ctr"/>
+            <a:r>
+              <a:rPr lang="en-US" sz="1100" dirty="0"/>
+              <a:t>REMOVED</a:t>
+            </a:r>
+            <a:endParaRPr lang="en-US" sz="1600" dirty="0"/>
+          </a:p>
+        </p:txBody>
+      </p:sp>
+      <p:sp>
+        <p:nvSpPr>
+          <p:cNvPr id="51" name="Rectangle: Rounded Corners 50">
+            <a:extLst>
+              <a:ext uri="{FF2B5EF4-FFF2-40B4-BE49-F238E27FC236}">
+                <a16:creationId xmlns:a16="http://schemas.microsoft.com/office/drawing/2014/main" id="{FF8C962E-7740-4329-921B-C68508157E00}"/>
+              </a:ext>
+            </a:extLst>
+          </p:cNvPr>
+          <p:cNvSpPr/>
+          <p:nvPr/>
+        </p:nvSpPr>
+        <p:spPr>
+          <a:xfrm>
+            <a:off x="6704937" y="4715232"/>
+            <a:ext cx="484353" cy="231699"/>
+          </a:xfrm>
+          <a:prstGeom prst="roundRect">
+            <a:avLst/>
+          </a:prstGeom>
+          <a:solidFill>
+            <a:srgbClr val="7F7F7F"/>
+          </a:solidFill>
+          <a:ln>
+            <a:noFill/>
+          </a:ln>
+        </p:spPr>
+        <p:style>
+          <a:lnRef idx="2">
+            <a:schemeClr val="accent1">
+              <a:shade val="50000"/>
+            </a:schemeClr>
+          </a:lnRef>
+          <a:fillRef idx="1">
+            <a:schemeClr val="accent1"/>
+          </a:fillRef>
+          <a:effectRef idx="0">
+            <a:schemeClr val="accent1"/>
+          </a:effectRef>
+          <a:fontRef idx="minor">
+            <a:schemeClr val="lt1"/>
+          </a:fontRef>
+        </p:style>
+        <p:txBody>
+          <a:bodyPr rtlCol="0" anchor="ctr"/>
+          <a:lstStyle/>
+          <a:p>
+            <a:pPr algn="ctr"/>
+            <a:r>
+              <a:rPr lang="en-US" sz="1100" dirty="0"/>
+              <a:t>ALL</a:t>
+            </a:r>
+            <a:endParaRPr lang="en-US" sz="1600" dirty="0"/>
           </a:p>
         </p:txBody>
       </p:sp>
@@ -14849,7 +15096,7 @@
           <a:p>
             <a:r>
               <a:rPr lang="en-US" dirty="0"/>
-              <a:t>Notes</a:t>
+              <a:t>SAMPLE with ISO Technical Debt</a:t>
             </a:r>
           </a:p>
         </p:txBody>
@@ -14866,6 +15113,786 @@
         </p:nvSpPr>
         <p:spPr/>
         <p:txBody>
+          <a:bodyPr/>
+          <a:lstStyle/>
+          <a:p>
+            <a:r>
+              <a:rPr lang="en-GB" dirty="0"/>
+              <a:t>Table to benchmark applications for ISO technical debt evolution for each app</a:t>
+            </a:r>
+            <a:endParaRPr lang="en-US" dirty="0"/>
+          </a:p>
+          <a:p>
+            <a:r>
+              <a:rPr lang="en-US" sz="1400" dirty="0"/>
+              <a:t>TABLE;PF_GENERIC_TABLE;COL1=OMG_TECHNICAL_DEBT,ROW1=APPLICATIONS,METRICS=ISO,OMG_TECHNICAL_DEBT=ALL,APPLICATIONS=EACH</a:t>
+            </a:r>
+            <a:endParaRPr lang="en-US" dirty="0"/>
+          </a:p>
+        </p:txBody>
+      </p:sp>
+      <p:pic>
+        <p:nvPicPr>
+          <p:cNvPr id="4" name="Picture 3"/>
+          <p:cNvPicPr>
+            <a:picLocks noChangeAspect="1"/>
+          </p:cNvPicPr>
+          <p:nvPr/>
+        </p:nvPicPr>
+        <p:blipFill>
+          <a:blip r:embed="rId2">
+            <a:extLst>
+              <a:ext uri="{28A0092B-C50C-407E-A947-70E740481C1C}">
+                <a14:useLocalDpi xmlns:a14="http://schemas.microsoft.com/office/drawing/2010/main" val="0"/>
+              </a:ext>
+            </a:extLst>
+          </a:blip>
+          <a:stretch>
+            <a:fillRect/>
+          </a:stretch>
+        </p:blipFill>
+        <p:spPr>
+          <a:xfrm>
+            <a:off x="258603" y="127459"/>
+            <a:ext cx="655797" cy="657255"/>
+          </a:xfrm>
+          <a:prstGeom prst="rect">
+            <a:avLst/>
+          </a:prstGeom>
+        </p:spPr>
+      </p:pic>
+      <p:graphicFrame>
+        <p:nvGraphicFramePr>
+          <p:cNvPr id="5" name="Table 4" descr="TABLE;PF_GENERIC_TABLE;COL1=OMG_TECHNICAL_DEBT,ROW1=APPLICATIONS,METRICS=ISO,OMG_TECHNICAL_DEBT=ALL,APPLICATIONS=EACH"/>
+          <p:cNvGraphicFramePr>
+            <a:graphicFrameLocks noGrp="1"/>
+          </p:cNvGraphicFramePr>
+          <p:nvPr>
+            <p:extLst>
+              <p:ext uri="{D42A27DB-BD31-4B8C-83A1-F6EECF244321}">
+                <p14:modId xmlns:p14="http://schemas.microsoft.com/office/powerpoint/2010/main" val="3812219370"/>
+              </p:ext>
+            </p:extLst>
+          </p:nvPr>
+        </p:nvGraphicFramePr>
+        <p:xfrm>
+          <a:off x="2112065" y="2934065"/>
+          <a:ext cx="5806440" cy="1200277"/>
+        </p:xfrm>
+        <a:graphic>
+          <a:graphicData uri="http://schemas.openxmlformats.org/drawingml/2006/table">
+            <a:tbl>
+              <a:tblPr firstRow="1" firstCol="1" bandRow="1">
+                <a:tableStyleId>{1E171933-4619-4E11-9A3F-F7608DF75F80}</a:tableStyleId>
+              </a:tblPr>
+              <a:tblGrid>
+                <a:gridCol w="2514600">
+                  <a:extLst>
+                    <a:ext uri="{9D8B030D-6E8A-4147-A177-3AD203B41FA5}">
+                      <a16:colId xmlns:a16="http://schemas.microsoft.com/office/drawing/2014/main" val="740772714"/>
+                    </a:ext>
+                  </a:extLst>
+                </a:gridCol>
+                <a:gridCol w="1097280">
+                  <a:extLst>
+                    <a:ext uri="{9D8B030D-6E8A-4147-A177-3AD203B41FA5}">
+                      <a16:colId xmlns:a16="http://schemas.microsoft.com/office/drawing/2014/main" val="3643816572"/>
+                    </a:ext>
+                  </a:extLst>
+                </a:gridCol>
+                <a:gridCol w="1097280">
+                  <a:extLst>
+                    <a:ext uri="{9D8B030D-6E8A-4147-A177-3AD203B41FA5}">
+                      <a16:colId xmlns:a16="http://schemas.microsoft.com/office/drawing/2014/main" val="2224810660"/>
+                    </a:ext>
+                  </a:extLst>
+                </a:gridCol>
+                <a:gridCol w="1097280">
+                  <a:extLst>
+                    <a:ext uri="{9D8B030D-6E8A-4147-A177-3AD203B41FA5}">
+                      <a16:colId xmlns:a16="http://schemas.microsoft.com/office/drawing/2014/main" val="2851091481"/>
+                    </a:ext>
+                  </a:extLst>
+                </a:gridCol>
+              </a:tblGrid>
+              <a:tr h="228600">
+                <a:tc>
+                  <a:txBody>
+                    <a:bodyPr/>
+                    <a:lstStyle/>
+                    <a:p>
+                      <a:pPr marL="0" marR="0">
+                        <a:lnSpc>
+                          <a:spcPct val="115000"/>
+                        </a:lnSpc>
+                        <a:spcBef>
+                          <a:spcPts val="0"/>
+                        </a:spcBef>
+                        <a:spcAft>
+                          <a:spcPts val="0"/>
+                        </a:spcAft>
+                      </a:pPr>
+                      <a:r>
+                        <a:rPr lang="en-GB" sz="1000">
+                          <a:effectLst/>
+                        </a:rPr>
+                        <a:t>Applications</a:t>
+                      </a:r>
+                      <a:endParaRPr lang="en-US" sz="1100" dirty="0">
+                        <a:effectLst/>
+                        <a:latin typeface="Calibri" panose="020F0502020204030204" pitchFamily="34" charset="0"/>
+                        <a:ea typeface="Calibri" panose="020F0502020204030204" pitchFamily="34" charset="0"/>
+                        <a:cs typeface="Times New Roman" panose="02020603050405020304" pitchFamily="18" charset="0"/>
+                      </a:endParaRPr>
+                    </a:p>
+                  </a:txBody>
+                  <a:tcPr marL="68580" marR="68580" marT="0" marB="0" anchor="ctr"/>
+                </a:tc>
+                <a:tc>
+                  <a:txBody>
+                    <a:bodyPr/>
+                    <a:lstStyle/>
+                    <a:p>
+                      <a:pPr marL="0" marR="0" algn="ctr">
+                        <a:lnSpc>
+                          <a:spcPct val="115000"/>
+                        </a:lnSpc>
+                        <a:spcBef>
+                          <a:spcPts val="0"/>
+                        </a:spcBef>
+                        <a:spcAft>
+                          <a:spcPts val="0"/>
+                        </a:spcAft>
+                      </a:pPr>
+                      <a:r>
+                        <a:rPr lang="en-GB" sz="1000" dirty="0">
+                          <a:effectLst/>
+                        </a:rPr>
+                        <a:t>Technical Debt (Days)</a:t>
+                      </a:r>
+                      <a:endParaRPr lang="en-US" sz="1100" dirty="0">
+                        <a:effectLst/>
+                        <a:latin typeface="Calibri" panose="020F0502020204030204" pitchFamily="34" charset="0"/>
+                        <a:ea typeface="Calibri" panose="020F0502020204030204" pitchFamily="34" charset="0"/>
+                        <a:cs typeface="Times New Roman" panose="02020603050405020304" pitchFamily="18" charset="0"/>
+                      </a:endParaRPr>
+                    </a:p>
+                  </a:txBody>
+                  <a:tcPr marL="68580" marR="68580" marT="0" marB="0" anchor="ctr"/>
+                </a:tc>
+                <a:tc>
+                  <a:txBody>
+                    <a:bodyPr/>
+                    <a:lstStyle/>
+                    <a:p>
+                      <a:pPr marL="0" marR="0" algn="ctr">
+                        <a:lnSpc>
+                          <a:spcPct val="115000"/>
+                        </a:lnSpc>
+                        <a:spcBef>
+                          <a:spcPts val="0"/>
+                        </a:spcBef>
+                        <a:spcAft>
+                          <a:spcPts val="0"/>
+                        </a:spcAft>
+                      </a:pPr>
+                      <a:r>
+                        <a:rPr lang="en-GB" sz="1000" dirty="0">
+                          <a:effectLst/>
+                        </a:rPr>
+                        <a:t>Technical Debt Added (Days)</a:t>
+                      </a:r>
+                      <a:endParaRPr lang="en-US" sz="1100" dirty="0">
+                        <a:effectLst/>
+                        <a:latin typeface="Calibri" panose="020F0502020204030204" pitchFamily="34" charset="0"/>
+                        <a:ea typeface="Calibri" panose="020F0502020204030204" pitchFamily="34" charset="0"/>
+                        <a:cs typeface="Times New Roman" panose="02020603050405020304" pitchFamily="18" charset="0"/>
+                      </a:endParaRPr>
+                    </a:p>
+                  </a:txBody>
+                  <a:tcPr marL="68580" marR="68580" marT="0" marB="0" anchor="ctr"/>
+                </a:tc>
+                <a:tc>
+                  <a:txBody>
+                    <a:bodyPr/>
+                    <a:lstStyle/>
+                    <a:p>
+                      <a:pPr marL="0" marR="0" algn="ctr">
+                        <a:lnSpc>
+                          <a:spcPct val="115000"/>
+                        </a:lnSpc>
+                        <a:spcBef>
+                          <a:spcPts val="0"/>
+                        </a:spcBef>
+                        <a:spcAft>
+                          <a:spcPts val="0"/>
+                        </a:spcAft>
+                      </a:pPr>
+                      <a:r>
+                        <a:rPr lang="en-GB" sz="1000" dirty="0">
+                          <a:effectLst/>
+                        </a:rPr>
+                        <a:t>Technical Debt Removed (Days)</a:t>
+                      </a:r>
+                      <a:endParaRPr lang="en-US" sz="1100" dirty="0">
+                        <a:effectLst/>
+                        <a:latin typeface="Calibri" panose="020F0502020204030204" pitchFamily="34" charset="0"/>
+                        <a:ea typeface="Calibri" panose="020F0502020204030204" pitchFamily="34" charset="0"/>
+                        <a:cs typeface="Times New Roman" panose="02020603050405020304" pitchFamily="18" charset="0"/>
+                      </a:endParaRPr>
+                    </a:p>
+                  </a:txBody>
+                  <a:tcPr marL="68580" marR="68580" marT="0" marB="0" anchor="ctr"/>
+                </a:tc>
+                <a:extLst>
+                  <a:ext uri="{0D108BD9-81ED-4DB2-BD59-A6C34878D82A}">
+                    <a16:rowId xmlns:a16="http://schemas.microsoft.com/office/drawing/2014/main" val="3690877628"/>
+                  </a:ext>
+                </a:extLst>
+              </a:tr>
+              <a:tr h="228600">
+                <a:tc>
+                  <a:txBody>
+                    <a:bodyPr/>
+                    <a:lstStyle/>
+                    <a:p>
+                      <a:pPr marL="0" marR="0">
+                        <a:lnSpc>
+                          <a:spcPct val="115000"/>
+                        </a:lnSpc>
+                        <a:spcBef>
+                          <a:spcPts val="0"/>
+                        </a:spcBef>
+                        <a:spcAft>
+                          <a:spcPts val="0"/>
+                        </a:spcAft>
+                      </a:pPr>
+                      <a:r>
+                        <a:rPr lang="en-GB" sz="1000" b="0" dirty="0">
+                          <a:effectLst/>
+                        </a:rPr>
+                        <a:t>     App1</a:t>
+                      </a:r>
+                      <a:endParaRPr lang="en-US" sz="1100" b="0" dirty="0">
+                        <a:effectLst/>
+                        <a:latin typeface="Calibri" panose="020F0502020204030204" pitchFamily="34" charset="0"/>
+                        <a:ea typeface="Calibri" panose="020F0502020204030204" pitchFamily="34" charset="0"/>
+                        <a:cs typeface="Times New Roman" panose="02020603050405020304" pitchFamily="18" charset="0"/>
+                      </a:endParaRPr>
+                    </a:p>
+                  </a:txBody>
+                  <a:tcPr marL="68580" marR="68580" marT="0" marB="0" anchor="ctr"/>
+                </a:tc>
+                <a:tc>
+                  <a:txBody>
+                    <a:bodyPr/>
+                    <a:lstStyle/>
+                    <a:p>
+                      <a:pPr marL="0" marR="0" algn="ctr">
+                        <a:lnSpc>
+                          <a:spcPct val="115000"/>
+                        </a:lnSpc>
+                        <a:spcBef>
+                          <a:spcPts val="0"/>
+                        </a:spcBef>
+                        <a:spcAft>
+                          <a:spcPts val="0"/>
+                        </a:spcAft>
+                      </a:pPr>
+                      <a:r>
+                        <a:rPr lang="en-GB" sz="1000" dirty="0">
+                          <a:effectLst/>
+                        </a:rPr>
+                        <a:t>number</a:t>
+                      </a:r>
+                      <a:endParaRPr lang="en-US" sz="1100" dirty="0">
+                        <a:effectLst/>
+                        <a:latin typeface="Calibri" panose="020F0502020204030204" pitchFamily="34" charset="0"/>
+                        <a:ea typeface="Calibri" panose="020F0502020204030204" pitchFamily="34" charset="0"/>
+                        <a:cs typeface="Times New Roman" panose="02020603050405020304" pitchFamily="18" charset="0"/>
+                      </a:endParaRPr>
+                    </a:p>
+                  </a:txBody>
+                  <a:tcPr marL="68580" marR="68580" marT="0" marB="0" anchor="ctr"/>
+                </a:tc>
+                <a:tc>
+                  <a:txBody>
+                    <a:bodyPr/>
+                    <a:lstStyle/>
+                    <a:p>
+                      <a:pPr marL="0" marR="0" algn="ctr">
+                        <a:lnSpc>
+                          <a:spcPct val="115000"/>
+                        </a:lnSpc>
+                        <a:spcBef>
+                          <a:spcPts val="0"/>
+                        </a:spcBef>
+                        <a:spcAft>
+                          <a:spcPts val="0"/>
+                        </a:spcAft>
+                      </a:pPr>
+                      <a:r>
+                        <a:rPr lang="en-GB" sz="1000">
+                          <a:effectLst/>
+                        </a:rPr>
+                        <a:t>number</a:t>
+                      </a:r>
+                      <a:endParaRPr lang="en-US" sz="1100">
+                        <a:effectLst/>
+                        <a:latin typeface="Calibri" panose="020F0502020204030204" pitchFamily="34" charset="0"/>
+                        <a:ea typeface="Calibri" panose="020F0502020204030204" pitchFamily="34" charset="0"/>
+                        <a:cs typeface="Times New Roman" panose="02020603050405020304" pitchFamily="18" charset="0"/>
+                      </a:endParaRPr>
+                    </a:p>
+                  </a:txBody>
+                  <a:tcPr marL="68580" marR="68580" marT="0" marB="0" anchor="ctr"/>
+                </a:tc>
+                <a:tc>
+                  <a:txBody>
+                    <a:bodyPr/>
+                    <a:lstStyle/>
+                    <a:p>
+                      <a:pPr marL="0" marR="0" algn="ctr">
+                        <a:lnSpc>
+                          <a:spcPct val="115000"/>
+                        </a:lnSpc>
+                        <a:spcBef>
+                          <a:spcPts val="0"/>
+                        </a:spcBef>
+                        <a:spcAft>
+                          <a:spcPts val="0"/>
+                        </a:spcAft>
+                      </a:pPr>
+                      <a:r>
+                        <a:rPr lang="en-GB" sz="1000">
+                          <a:effectLst/>
+                        </a:rPr>
+                        <a:t>number</a:t>
+                      </a:r>
+                      <a:endParaRPr lang="en-US" sz="1100">
+                        <a:effectLst/>
+                        <a:latin typeface="Calibri" panose="020F0502020204030204" pitchFamily="34" charset="0"/>
+                        <a:ea typeface="Calibri" panose="020F0502020204030204" pitchFamily="34" charset="0"/>
+                        <a:cs typeface="Times New Roman" panose="02020603050405020304" pitchFamily="18" charset="0"/>
+                      </a:endParaRPr>
+                    </a:p>
+                  </a:txBody>
+                  <a:tcPr marL="68580" marR="68580" marT="0" marB="0" anchor="ctr"/>
+                </a:tc>
+                <a:extLst>
+                  <a:ext uri="{0D108BD9-81ED-4DB2-BD59-A6C34878D82A}">
+                    <a16:rowId xmlns:a16="http://schemas.microsoft.com/office/drawing/2014/main" val="854991624"/>
+                  </a:ext>
+                </a:extLst>
+              </a:tr>
+              <a:tr h="228600">
+                <a:tc>
+                  <a:txBody>
+                    <a:bodyPr/>
+                    <a:lstStyle/>
+                    <a:p>
+                      <a:pPr marL="0" marR="0">
+                        <a:lnSpc>
+                          <a:spcPct val="115000"/>
+                        </a:lnSpc>
+                        <a:spcBef>
+                          <a:spcPts val="0"/>
+                        </a:spcBef>
+                        <a:spcAft>
+                          <a:spcPts val="0"/>
+                        </a:spcAft>
+                      </a:pPr>
+                      <a:r>
+                        <a:rPr lang="en-GB" sz="1000" b="0" dirty="0">
+                          <a:effectLst/>
+                        </a:rPr>
+                        <a:t>     App2</a:t>
+                      </a:r>
+                      <a:endParaRPr lang="en-US" sz="1100" b="0" dirty="0">
+                        <a:effectLst/>
+                        <a:latin typeface="Calibri" panose="020F0502020204030204" pitchFamily="34" charset="0"/>
+                        <a:ea typeface="Calibri" panose="020F0502020204030204" pitchFamily="34" charset="0"/>
+                        <a:cs typeface="Times New Roman" panose="02020603050405020304" pitchFamily="18" charset="0"/>
+                      </a:endParaRPr>
+                    </a:p>
+                  </a:txBody>
+                  <a:tcPr marL="68580" marR="68580" marT="0" marB="0" anchor="ctr"/>
+                </a:tc>
+                <a:tc>
+                  <a:txBody>
+                    <a:bodyPr/>
+                    <a:lstStyle/>
+                    <a:p>
+                      <a:pPr marL="0" marR="0" algn="ctr">
+                        <a:lnSpc>
+                          <a:spcPct val="115000"/>
+                        </a:lnSpc>
+                        <a:spcBef>
+                          <a:spcPts val="0"/>
+                        </a:spcBef>
+                        <a:spcAft>
+                          <a:spcPts val="0"/>
+                        </a:spcAft>
+                      </a:pPr>
+                      <a:r>
+                        <a:rPr lang="en-GB" sz="1000" dirty="0">
+                          <a:effectLst/>
+                        </a:rPr>
+                        <a:t>number</a:t>
+                      </a:r>
+                      <a:endParaRPr lang="en-US" sz="1100" dirty="0">
+                        <a:effectLst/>
+                        <a:latin typeface="Calibri" panose="020F0502020204030204" pitchFamily="34" charset="0"/>
+                        <a:ea typeface="Calibri" panose="020F0502020204030204" pitchFamily="34" charset="0"/>
+                        <a:cs typeface="Times New Roman" panose="02020603050405020304" pitchFamily="18" charset="0"/>
+                      </a:endParaRPr>
+                    </a:p>
+                  </a:txBody>
+                  <a:tcPr marL="68580" marR="68580" marT="0" marB="0" anchor="ctr"/>
+                </a:tc>
+                <a:tc>
+                  <a:txBody>
+                    <a:bodyPr/>
+                    <a:lstStyle/>
+                    <a:p>
+                      <a:pPr marL="0" marR="0" algn="ctr">
+                        <a:lnSpc>
+                          <a:spcPct val="115000"/>
+                        </a:lnSpc>
+                        <a:spcBef>
+                          <a:spcPts val="0"/>
+                        </a:spcBef>
+                        <a:spcAft>
+                          <a:spcPts val="0"/>
+                        </a:spcAft>
+                      </a:pPr>
+                      <a:r>
+                        <a:rPr lang="en-GB" sz="1000">
+                          <a:effectLst/>
+                        </a:rPr>
+                        <a:t>Number</a:t>
+                      </a:r>
+                      <a:endParaRPr lang="en-US" sz="1100">
+                        <a:effectLst/>
+                        <a:latin typeface="Calibri" panose="020F0502020204030204" pitchFamily="34" charset="0"/>
+                        <a:ea typeface="Calibri" panose="020F0502020204030204" pitchFamily="34" charset="0"/>
+                        <a:cs typeface="Times New Roman" panose="02020603050405020304" pitchFamily="18" charset="0"/>
+                      </a:endParaRPr>
+                    </a:p>
+                  </a:txBody>
+                  <a:tcPr marL="68580" marR="68580" marT="0" marB="0" anchor="ctr"/>
+                </a:tc>
+                <a:tc>
+                  <a:txBody>
+                    <a:bodyPr/>
+                    <a:lstStyle/>
+                    <a:p>
+                      <a:pPr marL="0" marR="0" algn="ctr">
+                        <a:lnSpc>
+                          <a:spcPct val="115000"/>
+                        </a:lnSpc>
+                        <a:spcBef>
+                          <a:spcPts val="0"/>
+                        </a:spcBef>
+                        <a:spcAft>
+                          <a:spcPts val="0"/>
+                        </a:spcAft>
+                      </a:pPr>
+                      <a:r>
+                        <a:rPr lang="en-GB" sz="1000">
+                          <a:effectLst/>
+                        </a:rPr>
+                        <a:t>number</a:t>
+                      </a:r>
+                      <a:endParaRPr lang="en-US" sz="1100">
+                        <a:effectLst/>
+                        <a:latin typeface="Calibri" panose="020F0502020204030204" pitchFamily="34" charset="0"/>
+                        <a:ea typeface="Calibri" panose="020F0502020204030204" pitchFamily="34" charset="0"/>
+                        <a:cs typeface="Times New Roman" panose="02020603050405020304" pitchFamily="18" charset="0"/>
+                      </a:endParaRPr>
+                    </a:p>
+                  </a:txBody>
+                  <a:tcPr marL="68580" marR="68580" marT="0" marB="0" anchor="ctr"/>
+                </a:tc>
+                <a:extLst>
+                  <a:ext uri="{0D108BD9-81ED-4DB2-BD59-A6C34878D82A}">
+                    <a16:rowId xmlns:a16="http://schemas.microsoft.com/office/drawing/2014/main" val="2600531140"/>
+                  </a:ext>
+                </a:extLst>
+              </a:tr>
+              <a:tr h="228600">
+                <a:tc>
+                  <a:txBody>
+                    <a:bodyPr/>
+                    <a:lstStyle/>
+                    <a:p>
+                      <a:pPr marL="0" marR="0">
+                        <a:lnSpc>
+                          <a:spcPct val="115000"/>
+                        </a:lnSpc>
+                        <a:spcBef>
+                          <a:spcPts val="0"/>
+                        </a:spcBef>
+                        <a:spcAft>
+                          <a:spcPts val="0"/>
+                        </a:spcAft>
+                      </a:pPr>
+                      <a:r>
+                        <a:rPr lang="en-GB" sz="1000" b="0">
+                          <a:effectLst/>
+                        </a:rPr>
+                        <a:t>     App3</a:t>
+                      </a:r>
+                      <a:endParaRPr lang="en-US" sz="1100" b="0" dirty="0">
+                        <a:effectLst/>
+                        <a:latin typeface="Calibri" panose="020F0502020204030204" pitchFamily="34" charset="0"/>
+                        <a:ea typeface="Calibri" panose="020F0502020204030204" pitchFamily="34" charset="0"/>
+                        <a:cs typeface="Times New Roman" panose="02020603050405020304" pitchFamily="18" charset="0"/>
+                      </a:endParaRPr>
+                    </a:p>
+                  </a:txBody>
+                  <a:tcPr marL="68580" marR="68580" marT="0" marB="0" anchor="ctr"/>
+                </a:tc>
+                <a:tc>
+                  <a:txBody>
+                    <a:bodyPr/>
+                    <a:lstStyle/>
+                    <a:p>
+                      <a:pPr marL="0" marR="0" algn="ctr">
+                        <a:lnSpc>
+                          <a:spcPct val="115000"/>
+                        </a:lnSpc>
+                        <a:spcBef>
+                          <a:spcPts val="0"/>
+                        </a:spcBef>
+                        <a:spcAft>
+                          <a:spcPts val="0"/>
+                        </a:spcAft>
+                      </a:pPr>
+                      <a:r>
+                        <a:rPr lang="en-GB" sz="1000" dirty="0">
+                          <a:effectLst/>
+                        </a:rPr>
+                        <a:t>Number</a:t>
+                      </a:r>
+                      <a:endParaRPr lang="en-US" sz="1100" dirty="0">
+                        <a:effectLst/>
+                        <a:latin typeface="Calibri" panose="020F0502020204030204" pitchFamily="34" charset="0"/>
+                        <a:ea typeface="Calibri" panose="020F0502020204030204" pitchFamily="34" charset="0"/>
+                        <a:cs typeface="Times New Roman" panose="02020603050405020304" pitchFamily="18" charset="0"/>
+                      </a:endParaRPr>
+                    </a:p>
+                  </a:txBody>
+                  <a:tcPr marL="68580" marR="68580" marT="0" marB="0" anchor="ctr"/>
+                </a:tc>
+                <a:tc>
+                  <a:txBody>
+                    <a:bodyPr/>
+                    <a:lstStyle/>
+                    <a:p>
+                      <a:pPr marL="0" marR="0" algn="ctr">
+                        <a:lnSpc>
+                          <a:spcPct val="115000"/>
+                        </a:lnSpc>
+                        <a:spcBef>
+                          <a:spcPts val="0"/>
+                        </a:spcBef>
+                        <a:spcAft>
+                          <a:spcPts val="0"/>
+                        </a:spcAft>
+                      </a:pPr>
+                      <a:r>
+                        <a:rPr lang="en-GB" sz="1000">
+                          <a:effectLst/>
+                        </a:rPr>
+                        <a:t>number</a:t>
+                      </a:r>
+                      <a:endParaRPr lang="en-US" sz="1100">
+                        <a:effectLst/>
+                        <a:latin typeface="Calibri" panose="020F0502020204030204" pitchFamily="34" charset="0"/>
+                        <a:ea typeface="Calibri" panose="020F0502020204030204" pitchFamily="34" charset="0"/>
+                        <a:cs typeface="Times New Roman" panose="02020603050405020304" pitchFamily="18" charset="0"/>
+                      </a:endParaRPr>
+                    </a:p>
+                  </a:txBody>
+                  <a:tcPr marL="68580" marR="68580" marT="0" marB="0" anchor="ctr"/>
+                </a:tc>
+                <a:tc>
+                  <a:txBody>
+                    <a:bodyPr/>
+                    <a:lstStyle/>
+                    <a:p>
+                      <a:pPr marL="0" marR="0" algn="ctr">
+                        <a:lnSpc>
+                          <a:spcPct val="115000"/>
+                        </a:lnSpc>
+                        <a:spcBef>
+                          <a:spcPts val="0"/>
+                        </a:spcBef>
+                        <a:spcAft>
+                          <a:spcPts val="0"/>
+                        </a:spcAft>
+                      </a:pPr>
+                      <a:r>
+                        <a:rPr lang="en-GB" sz="1000" dirty="0">
+                          <a:effectLst/>
+                        </a:rPr>
+                        <a:t>Number</a:t>
+                      </a:r>
+                      <a:endParaRPr lang="en-US" sz="1100" dirty="0">
+                        <a:effectLst/>
+                        <a:latin typeface="Calibri" panose="020F0502020204030204" pitchFamily="34" charset="0"/>
+                        <a:ea typeface="Calibri" panose="020F0502020204030204" pitchFamily="34" charset="0"/>
+                        <a:cs typeface="Times New Roman" panose="02020603050405020304" pitchFamily="18" charset="0"/>
+                      </a:endParaRPr>
+                    </a:p>
+                  </a:txBody>
+                  <a:tcPr marL="68580" marR="68580" marT="0" marB="0" anchor="ctr"/>
+                </a:tc>
+                <a:extLst>
+                  <a:ext uri="{0D108BD9-81ED-4DB2-BD59-A6C34878D82A}">
+                    <a16:rowId xmlns:a16="http://schemas.microsoft.com/office/drawing/2014/main" val="1376902709"/>
+                  </a:ext>
+                </a:extLst>
+              </a:tr>
+            </a:tbl>
+          </a:graphicData>
+        </a:graphic>
+      </p:graphicFrame>
+      <p:sp>
+        <p:nvSpPr>
+          <p:cNvPr id="6" name="TextBox 5">
+            <a:extLst>
+              <a:ext uri="{FF2B5EF4-FFF2-40B4-BE49-F238E27FC236}">
+                <a16:creationId xmlns:a16="http://schemas.microsoft.com/office/drawing/2014/main" id="{6B26F287-A684-47CC-8486-ED27F416DDFC}"/>
+              </a:ext>
+            </a:extLst>
+          </p:cNvPr>
+          <p:cNvSpPr txBox="1"/>
+          <p:nvPr/>
+        </p:nvSpPr>
+        <p:spPr>
+          <a:xfrm>
+            <a:off x="726141" y="5237454"/>
+            <a:ext cx="10703859" cy="447383"/>
+          </a:xfrm>
+          <a:prstGeom prst="rect">
+            <a:avLst/>
+          </a:prstGeom>
+        </p:spPr>
+        <p:txBody>
+          <a:bodyPr vert="horz" wrap="square" lIns="91440" tIns="45720" rIns="91440" bIns="45720" rtlCol="0" anchor="t">
+            <a:noAutofit/>
+          </a:bodyPr>
+          <a:lstStyle>
+            <a:defPPr>
+              <a:defRPr lang="en-US"/>
+            </a:defPPr>
+            <a:lvl1pPr>
+              <a:defRPr sz="1200">
+                <a:solidFill>
+                  <a:schemeClr val="tx1">
+                    <a:lumMod val="50000"/>
+                    <a:lumOff val="50000"/>
+                  </a:schemeClr>
+                </a:solidFill>
+              </a:defRPr>
+            </a:lvl1pPr>
+          </a:lstStyle>
+          <a:p>
+            <a:r>
+              <a:rPr lang="en-US" dirty="0"/>
+              <a:t>ISO option is the recommended technical debt to be used. Requires installation of OMG Technical Debt Measure (&gt;2.0.0 </a:t>
+            </a:r>
+            <a:r>
+              <a:rPr lang="en-US" dirty="0" err="1"/>
+              <a:t>funcrel</a:t>
+            </a:r>
+            <a:r>
+              <a:rPr lang="en-US" dirty="0"/>
+              <a:t>) and ISO-5055 Index extensions during analysis</a:t>
+            </a:r>
+          </a:p>
+          <a:p>
+            <a:r>
+              <a:rPr lang="en-US" dirty="0"/>
+              <a:t>CISQ option required installation of OMG Technical Debt Measure and CISQ Index extensions during analysis. Scope of rules is reduced</a:t>
+            </a:r>
+          </a:p>
+          <a:p>
+            <a:endParaRPr lang="en-US" dirty="0"/>
+          </a:p>
+        </p:txBody>
+      </p:sp>
+    </p:spTree>
+    <p:extLst>
+      <p:ext uri="{BB962C8B-B14F-4D97-AF65-F5344CB8AC3E}">
+        <p14:creationId xmlns:p14="http://schemas.microsoft.com/office/powerpoint/2010/main" val="3313412928"/>
+      </p:ext>
+    </p:extLst>
+  </p:cSld>
+  <p:clrMapOvr>
+    <a:masterClrMapping/>
+  </p:clrMapOvr>
+</p:sld>
+</file>
+
+<file path=ppt/slides/slide12.xml><?xml version="1.0" encoding="utf-8"?>
+<p:sld xmlns:a="http://schemas.openxmlformats.org/drawingml/2006/main" xmlns:r="http://schemas.openxmlformats.org/officeDocument/2006/relationships" xmlns:p="http://schemas.openxmlformats.org/presentationml/2006/main">
+  <p:cSld>
+    <p:spTree>
+      <p:nvGrpSpPr>
+        <p:cNvPr id="1" name=""/>
+        <p:cNvGrpSpPr/>
+        <p:nvPr/>
+      </p:nvGrpSpPr>
+      <p:grpSpPr>
+        <a:xfrm>
+          <a:off x="0" y="0"/>
+          <a:ext cx="0" cy="0"/>
+          <a:chOff x="0" y="0"/>
+          <a:chExt cx="0" cy="0"/>
+        </a:xfrm>
+      </p:grpSpPr>
+      <p:sp>
+        <p:nvSpPr>
+          <p:cNvPr id="2" name="Title 1"/>
+          <p:cNvSpPr>
+            <a:spLocks noGrp="1"/>
+          </p:cNvSpPr>
+          <p:nvPr>
+            <p:ph type="title"/>
+          </p:nvPr>
+        </p:nvSpPr>
+        <p:spPr/>
+        <p:txBody>
+          <a:bodyPr/>
+          <a:lstStyle/>
+          <a:p>
+            <a:r>
+              <a:rPr lang="en-US" dirty="0"/>
+              <a:t>Notes</a:t>
+            </a:r>
+          </a:p>
+        </p:txBody>
+      </p:sp>
+      <p:sp>
+        <p:nvSpPr>
+          <p:cNvPr id="3" name="Text Placeholder 2"/>
+          <p:cNvSpPr>
+            <a:spLocks noGrp="1"/>
+          </p:cNvSpPr>
+          <p:nvPr>
+            <p:ph type="body" sz="quarter" idx="13"/>
+          </p:nvPr>
+        </p:nvSpPr>
+        <p:spPr>
+          <a:xfrm>
+            <a:off x="642730" y="1333499"/>
+            <a:ext cx="10939670" cy="4840797"/>
+          </a:xfrm>
+        </p:spPr>
+        <p:txBody>
           <a:bodyPr>
             <a:normAutofit/>
           </a:bodyPr>
@@ -14888,11 +15915,7 @@
             </a:r>
             <a:r>
               <a:rPr lang="en-GB" dirty="0"/>
-              <a:t>: if no information filled, then default value </a:t>
-            </a:r>
-            <a:r>
-              <a:rPr lang="en-GB"/>
-              <a:t>is “ALL"</a:t>
+              <a:t>: if no information filled, then default value is “ALL"</a:t>
             </a:r>
             <a:endParaRPr lang="en-US" dirty="0"/>
           </a:p>
@@ -14945,6 +15968,20 @@
               <a:rPr lang="en-US" dirty="0"/>
               <a:t>: if no information filled, then default value is “EACH”</a:t>
             </a:r>
+          </a:p>
+          <a:p>
+            <a:r>
+              <a:rPr lang="en-GB" b="1" dirty="0"/>
+              <a:t>OMG_TECHNICAL_DEBT</a:t>
+            </a:r>
+            <a:r>
+              <a:rPr lang="en-GB" dirty="0"/>
+              <a:t>: if no information filled, then default value is “ALL"</a:t>
+            </a:r>
+            <a:endParaRPr lang="en-US" dirty="0"/>
+          </a:p>
+          <a:p>
+            <a:endParaRPr lang="en-US" dirty="0"/>
           </a:p>
           <a:p>
             <a:endParaRPr lang="en-US" dirty="0"/>

--- a/CastReporting.Reporting.Core/Templates/Portfolio/Portfolio component library/Portfolio Generic Table Definition.pptx
+++ b/CastReporting.Reporting.Core/Templates/Portfolio/Portfolio component library/Portfolio Generic Table Definition.pptx
@@ -219,7 +219,7 @@
           <a:p>
             <a:fld id="{BE7CF963-E58D-FC4D-BA9E-60A980752DC6}" type="datetimeFigureOut">
               <a:rPr lang="en-US" smtClean="0"/>
-              <a:t>10/26/2021</a:t>
+              <a:t>2/20/2025</a:t>
             </a:fld>
             <a:endParaRPr lang="en-US"/>
           </a:p>
@@ -792,7 +792,7 @@
           <a:p>
             <a:fld id="{B590C078-9131-4E49-8A0D-400FEE8377B5}" type="datetimeFigureOut">
               <a:rPr lang="en-US" smtClean="0"/>
-              <a:t>10/26/2021</a:t>
+              <a:t>2/20/2025</a:t>
             </a:fld>
             <a:endParaRPr lang="en-US"/>
           </a:p>
@@ -916,36 +916,6 @@
           </a:p>
         </p:txBody>
       </p:sp>
-      <p:pic>
-        <p:nvPicPr>
-          <p:cNvPr id="11" name="Picture 10"/>
-          <p:cNvPicPr>
-            <a:picLocks noChangeAspect="1"/>
-          </p:cNvPicPr>
-          <p:nvPr userDrawn="1"/>
-        </p:nvPicPr>
-        <p:blipFill>
-          <a:blip r:embed="rId2">
-            <a:extLst>
-              <a:ext uri="{28A0092B-C50C-407E-A947-70E740481C1C}">
-                <a14:useLocalDpi xmlns:a14="http://schemas.microsoft.com/office/drawing/2010/main" val="0"/>
-              </a:ext>
-            </a:extLst>
-          </a:blip>
-          <a:stretch>
-            <a:fillRect/>
-          </a:stretch>
-        </p:blipFill>
-        <p:spPr>
-          <a:xfrm>
-            <a:off x="9578792" y="333532"/>
-            <a:ext cx="2003608" cy="247337"/>
-          </a:xfrm>
-          <a:prstGeom prst="rect">
-            <a:avLst/>
-          </a:prstGeom>
-        </p:spPr>
-      </p:pic>
       <p:sp>
         <p:nvSpPr>
           <p:cNvPr id="10" name="TextBox 9"/>
@@ -1126,6 +1096,36 @@
           </a:p>
         </p:txBody>
       </p:sp>
+      <p:pic>
+        <p:nvPicPr>
+          <p:cNvPr id="2" name="Picture 1">
+            <a:extLst>
+              <a:ext uri="{FF2B5EF4-FFF2-40B4-BE49-F238E27FC236}">
+                <a16:creationId xmlns:a16="http://schemas.microsoft.com/office/drawing/2014/main" id="{441DADC3-E7B0-97A6-1612-EF8081A65A75}"/>
+              </a:ext>
+            </a:extLst>
+          </p:cNvPr>
+          <p:cNvPicPr>
+            <a:picLocks noChangeAspect="1"/>
+          </p:cNvPicPr>
+          <p:nvPr userDrawn="1"/>
+        </p:nvPicPr>
+        <p:blipFill>
+          <a:blip r:embed="rId2"/>
+          <a:stretch>
+            <a:fillRect/>
+          </a:stretch>
+        </p:blipFill>
+        <p:spPr>
+          <a:xfrm>
+            <a:off x="10503035" y="275190"/>
+            <a:ext cx="1079365" cy="380952"/>
+          </a:xfrm>
+          <a:prstGeom prst="rect">
+            <a:avLst/>
+          </a:prstGeom>
+        </p:spPr>
+      </p:pic>
     </p:spTree>
     <p:extLst>
       <p:ext uri="{BB962C8B-B14F-4D97-AF65-F5344CB8AC3E}">
@@ -1263,36 +1263,6 @@
           </a:p>
         </p:txBody>
       </p:sp>
-      <p:pic>
-        <p:nvPicPr>
-          <p:cNvPr id="11" name="Picture 10"/>
-          <p:cNvPicPr>
-            <a:picLocks noChangeAspect="1"/>
-          </p:cNvPicPr>
-          <p:nvPr userDrawn="1"/>
-        </p:nvPicPr>
-        <p:blipFill>
-          <a:blip r:embed="rId2">
-            <a:extLst>
-              <a:ext uri="{28A0092B-C50C-407E-A947-70E740481C1C}">
-                <a14:useLocalDpi xmlns:a14="http://schemas.microsoft.com/office/drawing/2010/main" val="0"/>
-              </a:ext>
-            </a:extLst>
-          </a:blip>
-          <a:stretch>
-            <a:fillRect/>
-          </a:stretch>
-        </p:blipFill>
-        <p:spPr>
-          <a:xfrm>
-            <a:off x="9578792" y="333532"/>
-            <a:ext cx="2003608" cy="247337"/>
-          </a:xfrm>
-          <a:prstGeom prst="rect">
-            <a:avLst/>
-          </a:prstGeom>
-        </p:spPr>
-      </p:pic>
       <p:sp>
         <p:nvSpPr>
           <p:cNvPr id="10" name="TextBox 9"/>
@@ -1471,6 +1441,36 @@
           </a:p>
         </p:txBody>
       </p:sp>
+      <p:pic>
+        <p:nvPicPr>
+          <p:cNvPr id="2" name="Picture 1">
+            <a:extLst>
+              <a:ext uri="{FF2B5EF4-FFF2-40B4-BE49-F238E27FC236}">
+                <a16:creationId xmlns:a16="http://schemas.microsoft.com/office/drawing/2014/main" id="{833AA129-3C42-B13F-00B8-5D1EF6B6F954}"/>
+              </a:ext>
+            </a:extLst>
+          </p:cNvPr>
+          <p:cNvPicPr>
+            <a:picLocks noChangeAspect="1"/>
+          </p:cNvPicPr>
+          <p:nvPr userDrawn="1"/>
+        </p:nvPicPr>
+        <p:blipFill>
+          <a:blip r:embed="rId2"/>
+          <a:stretch>
+            <a:fillRect/>
+          </a:stretch>
+        </p:blipFill>
+        <p:spPr>
+          <a:xfrm>
+            <a:off x="10503035" y="275190"/>
+            <a:ext cx="1079365" cy="380952"/>
+          </a:xfrm>
+          <a:prstGeom prst="rect">
+            <a:avLst/>
+          </a:prstGeom>
+        </p:spPr>
+      </p:pic>
     </p:spTree>
     <p:extLst>
       <p:ext uri="{BB962C8B-B14F-4D97-AF65-F5344CB8AC3E}">
@@ -1608,36 +1608,6 @@
           </a:p>
         </p:txBody>
       </p:sp>
-      <p:pic>
-        <p:nvPicPr>
-          <p:cNvPr id="11" name="Picture 10"/>
-          <p:cNvPicPr>
-            <a:picLocks noChangeAspect="1"/>
-          </p:cNvPicPr>
-          <p:nvPr userDrawn="1"/>
-        </p:nvPicPr>
-        <p:blipFill>
-          <a:blip r:embed="rId2">
-            <a:extLst>
-              <a:ext uri="{28A0092B-C50C-407E-A947-70E740481C1C}">
-                <a14:useLocalDpi xmlns:a14="http://schemas.microsoft.com/office/drawing/2010/main" val="0"/>
-              </a:ext>
-            </a:extLst>
-          </a:blip>
-          <a:stretch>
-            <a:fillRect/>
-          </a:stretch>
-        </p:blipFill>
-        <p:spPr>
-          <a:xfrm>
-            <a:off x="9578792" y="333532"/>
-            <a:ext cx="2003608" cy="247337"/>
-          </a:xfrm>
-          <a:prstGeom prst="rect">
-            <a:avLst/>
-          </a:prstGeom>
-        </p:spPr>
-      </p:pic>
       <p:sp>
         <p:nvSpPr>
           <p:cNvPr id="10" name="TextBox 9"/>
@@ -1816,6 +1786,36 @@
           </a:p>
         </p:txBody>
       </p:sp>
+      <p:pic>
+        <p:nvPicPr>
+          <p:cNvPr id="2" name="Picture 1">
+            <a:extLst>
+              <a:ext uri="{FF2B5EF4-FFF2-40B4-BE49-F238E27FC236}">
+                <a16:creationId xmlns:a16="http://schemas.microsoft.com/office/drawing/2014/main" id="{6FDA06A8-BBCC-B7CF-8B34-9B7F5B8E7112}"/>
+              </a:ext>
+            </a:extLst>
+          </p:cNvPr>
+          <p:cNvPicPr>
+            <a:picLocks noChangeAspect="1"/>
+          </p:cNvPicPr>
+          <p:nvPr userDrawn="1"/>
+        </p:nvPicPr>
+        <p:blipFill>
+          <a:blip r:embed="rId2"/>
+          <a:stretch>
+            <a:fillRect/>
+          </a:stretch>
+        </p:blipFill>
+        <p:spPr>
+          <a:xfrm>
+            <a:off x="10503035" y="275190"/>
+            <a:ext cx="1079365" cy="380952"/>
+          </a:xfrm>
+          <a:prstGeom prst="rect">
+            <a:avLst/>
+          </a:prstGeom>
+        </p:spPr>
+      </p:pic>
     </p:spTree>
     <p:extLst>
       <p:ext uri="{BB962C8B-B14F-4D97-AF65-F5344CB8AC3E}">
@@ -1953,36 +1953,6 @@
           </a:p>
         </p:txBody>
       </p:sp>
-      <p:pic>
-        <p:nvPicPr>
-          <p:cNvPr id="11" name="Picture 10"/>
-          <p:cNvPicPr>
-            <a:picLocks noChangeAspect="1"/>
-          </p:cNvPicPr>
-          <p:nvPr userDrawn="1"/>
-        </p:nvPicPr>
-        <p:blipFill>
-          <a:blip r:embed="rId2">
-            <a:extLst>
-              <a:ext uri="{28A0092B-C50C-407E-A947-70E740481C1C}">
-                <a14:useLocalDpi xmlns:a14="http://schemas.microsoft.com/office/drawing/2010/main" val="0"/>
-              </a:ext>
-            </a:extLst>
-          </a:blip>
-          <a:stretch>
-            <a:fillRect/>
-          </a:stretch>
-        </p:blipFill>
-        <p:spPr>
-          <a:xfrm>
-            <a:off x="9578792" y="333532"/>
-            <a:ext cx="2003608" cy="247337"/>
-          </a:xfrm>
-          <a:prstGeom prst="rect">
-            <a:avLst/>
-          </a:prstGeom>
-        </p:spPr>
-      </p:pic>
       <p:sp>
         <p:nvSpPr>
           <p:cNvPr id="10" name="TextBox 9"/>
@@ -2161,6 +2131,36 @@
           </a:p>
         </p:txBody>
       </p:sp>
+      <p:pic>
+        <p:nvPicPr>
+          <p:cNvPr id="2" name="Picture 1">
+            <a:extLst>
+              <a:ext uri="{FF2B5EF4-FFF2-40B4-BE49-F238E27FC236}">
+                <a16:creationId xmlns:a16="http://schemas.microsoft.com/office/drawing/2014/main" id="{AE638E75-76CB-89FA-BED9-47263B0EE364}"/>
+              </a:ext>
+            </a:extLst>
+          </p:cNvPr>
+          <p:cNvPicPr>
+            <a:picLocks noChangeAspect="1"/>
+          </p:cNvPicPr>
+          <p:nvPr userDrawn="1"/>
+        </p:nvPicPr>
+        <p:blipFill>
+          <a:blip r:embed="rId2"/>
+          <a:stretch>
+            <a:fillRect/>
+          </a:stretch>
+        </p:blipFill>
+        <p:spPr>
+          <a:xfrm>
+            <a:off x="10503035" y="275190"/>
+            <a:ext cx="1079365" cy="380952"/>
+          </a:xfrm>
+          <a:prstGeom prst="rect">
+            <a:avLst/>
+          </a:prstGeom>
+        </p:spPr>
+      </p:pic>
     </p:spTree>
     <p:extLst>
       <p:ext uri="{BB962C8B-B14F-4D97-AF65-F5344CB8AC3E}">
@@ -2301,36 +2301,6 @@
           </a:p>
         </p:txBody>
       </p:sp>
-      <p:pic>
-        <p:nvPicPr>
-          <p:cNvPr id="11" name="Picture 10"/>
-          <p:cNvPicPr>
-            <a:picLocks noChangeAspect="1"/>
-          </p:cNvPicPr>
-          <p:nvPr userDrawn="1"/>
-        </p:nvPicPr>
-        <p:blipFill>
-          <a:blip r:embed="rId2">
-            <a:extLst>
-              <a:ext uri="{28A0092B-C50C-407E-A947-70E740481C1C}">
-                <a14:useLocalDpi xmlns:a14="http://schemas.microsoft.com/office/drawing/2010/main" val="0"/>
-              </a:ext>
-            </a:extLst>
-          </a:blip>
-          <a:stretch>
-            <a:fillRect/>
-          </a:stretch>
-        </p:blipFill>
-        <p:spPr>
-          <a:xfrm>
-            <a:off x="9578792" y="333532"/>
-            <a:ext cx="2003608" cy="247337"/>
-          </a:xfrm>
-          <a:prstGeom prst="rect">
-            <a:avLst/>
-          </a:prstGeom>
-        </p:spPr>
-      </p:pic>
       <p:sp>
         <p:nvSpPr>
           <p:cNvPr id="10" name="TextBox 9"/>
@@ -2509,6 +2479,36 @@
           </a:p>
         </p:txBody>
       </p:sp>
+      <p:pic>
+        <p:nvPicPr>
+          <p:cNvPr id="2" name="Picture 1">
+            <a:extLst>
+              <a:ext uri="{FF2B5EF4-FFF2-40B4-BE49-F238E27FC236}">
+                <a16:creationId xmlns:a16="http://schemas.microsoft.com/office/drawing/2014/main" id="{8B215F63-C4F6-2EFD-EA2A-046051411F52}"/>
+              </a:ext>
+            </a:extLst>
+          </p:cNvPr>
+          <p:cNvPicPr>
+            <a:picLocks noChangeAspect="1"/>
+          </p:cNvPicPr>
+          <p:nvPr userDrawn="1"/>
+        </p:nvPicPr>
+        <p:blipFill>
+          <a:blip r:embed="rId2"/>
+          <a:stretch>
+            <a:fillRect/>
+          </a:stretch>
+        </p:blipFill>
+        <p:spPr>
+          <a:xfrm>
+            <a:off x="10503035" y="275190"/>
+            <a:ext cx="1079365" cy="380952"/>
+          </a:xfrm>
+          <a:prstGeom prst="rect">
+            <a:avLst/>
+          </a:prstGeom>
+        </p:spPr>
+      </p:pic>
     </p:spTree>
     <p:extLst>
       <p:ext uri="{BB962C8B-B14F-4D97-AF65-F5344CB8AC3E}">
@@ -2646,36 +2646,6 @@
           </a:p>
         </p:txBody>
       </p:sp>
-      <p:pic>
-        <p:nvPicPr>
-          <p:cNvPr id="11" name="Picture 10"/>
-          <p:cNvPicPr>
-            <a:picLocks noChangeAspect="1"/>
-          </p:cNvPicPr>
-          <p:nvPr userDrawn="1"/>
-        </p:nvPicPr>
-        <p:blipFill>
-          <a:blip r:embed="rId2">
-            <a:extLst>
-              <a:ext uri="{28A0092B-C50C-407E-A947-70E740481C1C}">
-                <a14:useLocalDpi xmlns:a14="http://schemas.microsoft.com/office/drawing/2010/main" val="0"/>
-              </a:ext>
-            </a:extLst>
-          </a:blip>
-          <a:stretch>
-            <a:fillRect/>
-          </a:stretch>
-        </p:blipFill>
-        <p:spPr>
-          <a:xfrm>
-            <a:off x="9578792" y="333532"/>
-            <a:ext cx="2003608" cy="247337"/>
-          </a:xfrm>
-          <a:prstGeom prst="rect">
-            <a:avLst/>
-          </a:prstGeom>
-        </p:spPr>
-      </p:pic>
       <p:sp>
         <p:nvSpPr>
           <p:cNvPr id="10" name="TextBox 9"/>
@@ -2857,6 +2827,36 @@
           </a:p>
         </p:txBody>
       </p:sp>
+      <p:pic>
+        <p:nvPicPr>
+          <p:cNvPr id="2" name="Picture 1">
+            <a:extLst>
+              <a:ext uri="{FF2B5EF4-FFF2-40B4-BE49-F238E27FC236}">
+                <a16:creationId xmlns:a16="http://schemas.microsoft.com/office/drawing/2014/main" id="{D3E537CA-7AE1-CB0D-6E8C-1884C5AE72A5}"/>
+              </a:ext>
+            </a:extLst>
+          </p:cNvPr>
+          <p:cNvPicPr>
+            <a:picLocks noChangeAspect="1"/>
+          </p:cNvPicPr>
+          <p:nvPr userDrawn="1"/>
+        </p:nvPicPr>
+        <p:blipFill>
+          <a:blip r:embed="rId2"/>
+          <a:stretch>
+            <a:fillRect/>
+          </a:stretch>
+        </p:blipFill>
+        <p:spPr>
+          <a:xfrm>
+            <a:off x="10503035" y="275190"/>
+            <a:ext cx="1079365" cy="380952"/>
+          </a:xfrm>
+          <a:prstGeom prst="rect">
+            <a:avLst/>
+          </a:prstGeom>
+        </p:spPr>
+      </p:pic>
     </p:spTree>
     <p:extLst>
       <p:ext uri="{BB962C8B-B14F-4D97-AF65-F5344CB8AC3E}">
@@ -3100,36 +3100,6 @@
           </a:p>
         </p:txBody>
       </p:sp>
-      <p:pic>
-        <p:nvPicPr>
-          <p:cNvPr id="11" name="Picture 10"/>
-          <p:cNvPicPr>
-            <a:picLocks noChangeAspect="1"/>
-          </p:cNvPicPr>
-          <p:nvPr userDrawn="1"/>
-        </p:nvPicPr>
-        <p:blipFill>
-          <a:blip r:embed="rId2">
-            <a:extLst>
-              <a:ext uri="{28A0092B-C50C-407E-A947-70E740481C1C}">
-                <a14:useLocalDpi xmlns:a14="http://schemas.microsoft.com/office/drawing/2010/main" val="0"/>
-              </a:ext>
-            </a:extLst>
-          </a:blip>
-          <a:stretch>
-            <a:fillRect/>
-          </a:stretch>
-        </p:blipFill>
-        <p:spPr>
-          <a:xfrm>
-            <a:off x="9578792" y="333532"/>
-            <a:ext cx="2003608" cy="247337"/>
-          </a:xfrm>
-          <a:prstGeom prst="rect">
-            <a:avLst/>
-          </a:prstGeom>
-        </p:spPr>
-      </p:pic>
       <p:sp>
         <p:nvSpPr>
           <p:cNvPr id="9" name="Text Placeholder 7"/>
@@ -3203,6 +3173,36 @@
           </a:p>
         </p:txBody>
       </p:sp>
+      <p:pic>
+        <p:nvPicPr>
+          <p:cNvPr id="2" name="Picture 1">
+            <a:extLst>
+              <a:ext uri="{FF2B5EF4-FFF2-40B4-BE49-F238E27FC236}">
+                <a16:creationId xmlns:a16="http://schemas.microsoft.com/office/drawing/2014/main" id="{C78E0F9B-2A19-EF6A-EAA9-714F70B35E96}"/>
+              </a:ext>
+            </a:extLst>
+          </p:cNvPr>
+          <p:cNvPicPr>
+            <a:picLocks noChangeAspect="1"/>
+          </p:cNvPicPr>
+          <p:nvPr userDrawn="1"/>
+        </p:nvPicPr>
+        <p:blipFill>
+          <a:blip r:embed="rId2"/>
+          <a:stretch>
+            <a:fillRect/>
+          </a:stretch>
+        </p:blipFill>
+        <p:spPr>
+          <a:xfrm>
+            <a:off x="10503035" y="275190"/>
+            <a:ext cx="1079365" cy="380952"/>
+          </a:xfrm>
+          <a:prstGeom prst="rect">
+            <a:avLst/>
+          </a:prstGeom>
+        </p:spPr>
+      </p:pic>
     </p:spTree>
     <p:extLst>
       <p:ext uri="{BB962C8B-B14F-4D97-AF65-F5344CB8AC3E}">
@@ -3340,36 +3340,6 @@
           </a:p>
         </p:txBody>
       </p:sp>
-      <p:pic>
-        <p:nvPicPr>
-          <p:cNvPr id="11" name="Picture 10"/>
-          <p:cNvPicPr>
-            <a:picLocks noChangeAspect="1"/>
-          </p:cNvPicPr>
-          <p:nvPr userDrawn="1"/>
-        </p:nvPicPr>
-        <p:blipFill>
-          <a:blip r:embed="rId2">
-            <a:extLst>
-              <a:ext uri="{28A0092B-C50C-407E-A947-70E740481C1C}">
-                <a14:useLocalDpi xmlns:a14="http://schemas.microsoft.com/office/drawing/2010/main" val="0"/>
-              </a:ext>
-            </a:extLst>
-          </a:blip>
-          <a:stretch>
-            <a:fillRect/>
-          </a:stretch>
-        </p:blipFill>
-        <p:spPr>
-          <a:xfrm>
-            <a:off x="9578792" y="333532"/>
-            <a:ext cx="2003608" cy="247337"/>
-          </a:xfrm>
-          <a:prstGeom prst="rect">
-            <a:avLst/>
-          </a:prstGeom>
-        </p:spPr>
-      </p:pic>
       <p:sp>
         <p:nvSpPr>
           <p:cNvPr id="10" name="TextBox 9"/>
@@ -3550,6 +3520,36 @@
           </a:p>
         </p:txBody>
       </p:sp>
+      <p:pic>
+        <p:nvPicPr>
+          <p:cNvPr id="2" name="Picture 1">
+            <a:extLst>
+              <a:ext uri="{FF2B5EF4-FFF2-40B4-BE49-F238E27FC236}">
+                <a16:creationId xmlns:a16="http://schemas.microsoft.com/office/drawing/2014/main" id="{A8F884CF-8783-CA4B-B834-26068305E190}"/>
+              </a:ext>
+            </a:extLst>
+          </p:cNvPr>
+          <p:cNvPicPr>
+            <a:picLocks noChangeAspect="1"/>
+          </p:cNvPicPr>
+          <p:nvPr userDrawn="1"/>
+        </p:nvPicPr>
+        <p:blipFill>
+          <a:blip r:embed="rId2"/>
+          <a:stretch>
+            <a:fillRect/>
+          </a:stretch>
+        </p:blipFill>
+        <p:spPr>
+          <a:xfrm>
+            <a:off x="10503035" y="275190"/>
+            <a:ext cx="1079365" cy="380952"/>
+          </a:xfrm>
+          <a:prstGeom prst="rect">
+            <a:avLst/>
+          </a:prstGeom>
+        </p:spPr>
+      </p:pic>
     </p:spTree>
     <p:extLst>
       <p:ext uri="{BB962C8B-B14F-4D97-AF65-F5344CB8AC3E}">
@@ -3687,36 +3687,6 @@
           </a:p>
         </p:txBody>
       </p:sp>
-      <p:pic>
-        <p:nvPicPr>
-          <p:cNvPr id="11" name="Picture 10"/>
-          <p:cNvPicPr>
-            <a:picLocks noChangeAspect="1"/>
-          </p:cNvPicPr>
-          <p:nvPr userDrawn="1"/>
-        </p:nvPicPr>
-        <p:blipFill>
-          <a:blip r:embed="rId2">
-            <a:extLst>
-              <a:ext uri="{28A0092B-C50C-407E-A947-70E740481C1C}">
-                <a14:useLocalDpi xmlns:a14="http://schemas.microsoft.com/office/drawing/2010/main" val="0"/>
-              </a:ext>
-            </a:extLst>
-          </a:blip>
-          <a:stretch>
-            <a:fillRect/>
-          </a:stretch>
-        </p:blipFill>
-        <p:spPr>
-          <a:xfrm>
-            <a:off x="9578792" y="333532"/>
-            <a:ext cx="2003608" cy="247337"/>
-          </a:xfrm>
-          <a:prstGeom prst="rect">
-            <a:avLst/>
-          </a:prstGeom>
-        </p:spPr>
-      </p:pic>
       <p:sp>
         <p:nvSpPr>
           <p:cNvPr id="10" name="TextBox 9"/>
@@ -3896,6 +3866,36 @@
           </a:p>
         </p:txBody>
       </p:sp>
+      <p:pic>
+        <p:nvPicPr>
+          <p:cNvPr id="2" name="Picture 1">
+            <a:extLst>
+              <a:ext uri="{FF2B5EF4-FFF2-40B4-BE49-F238E27FC236}">
+                <a16:creationId xmlns:a16="http://schemas.microsoft.com/office/drawing/2014/main" id="{2E9E3A67-DA4D-81C2-7EED-ABC5143ECD83}"/>
+              </a:ext>
+            </a:extLst>
+          </p:cNvPr>
+          <p:cNvPicPr>
+            <a:picLocks noChangeAspect="1"/>
+          </p:cNvPicPr>
+          <p:nvPr userDrawn="1"/>
+        </p:nvPicPr>
+        <p:blipFill>
+          <a:blip r:embed="rId2"/>
+          <a:stretch>
+            <a:fillRect/>
+          </a:stretch>
+        </p:blipFill>
+        <p:spPr>
+          <a:xfrm>
+            <a:off x="10503035" y="275190"/>
+            <a:ext cx="1079365" cy="380952"/>
+          </a:xfrm>
+          <a:prstGeom prst="rect">
+            <a:avLst/>
+          </a:prstGeom>
+        </p:spPr>
+      </p:pic>
     </p:spTree>
     <p:extLst>
       <p:ext uri="{BB962C8B-B14F-4D97-AF65-F5344CB8AC3E}">
@@ -4033,36 +4033,6 @@
           </a:p>
         </p:txBody>
       </p:sp>
-      <p:pic>
-        <p:nvPicPr>
-          <p:cNvPr id="11" name="Picture 10"/>
-          <p:cNvPicPr>
-            <a:picLocks noChangeAspect="1"/>
-          </p:cNvPicPr>
-          <p:nvPr userDrawn="1"/>
-        </p:nvPicPr>
-        <p:blipFill>
-          <a:blip r:embed="rId2">
-            <a:extLst>
-              <a:ext uri="{28A0092B-C50C-407E-A947-70E740481C1C}">
-                <a14:useLocalDpi xmlns:a14="http://schemas.microsoft.com/office/drawing/2010/main" val="0"/>
-              </a:ext>
-            </a:extLst>
-          </a:blip>
-          <a:stretch>
-            <a:fillRect/>
-          </a:stretch>
-        </p:blipFill>
-        <p:spPr>
-          <a:xfrm>
-            <a:off x="9578792" y="333532"/>
-            <a:ext cx="2003608" cy="247337"/>
-          </a:xfrm>
-          <a:prstGeom prst="rect">
-            <a:avLst/>
-          </a:prstGeom>
-        </p:spPr>
-      </p:pic>
       <p:sp>
         <p:nvSpPr>
           <p:cNvPr id="10" name="TextBox 9"/>
@@ -4242,6 +4212,36 @@
           </a:p>
         </p:txBody>
       </p:sp>
+      <p:pic>
+        <p:nvPicPr>
+          <p:cNvPr id="2" name="Picture 1">
+            <a:extLst>
+              <a:ext uri="{FF2B5EF4-FFF2-40B4-BE49-F238E27FC236}">
+                <a16:creationId xmlns:a16="http://schemas.microsoft.com/office/drawing/2014/main" id="{CF6D0980-1285-B038-C996-BC289484DF30}"/>
+              </a:ext>
+            </a:extLst>
+          </p:cNvPr>
+          <p:cNvPicPr>
+            <a:picLocks noChangeAspect="1"/>
+          </p:cNvPicPr>
+          <p:nvPr userDrawn="1"/>
+        </p:nvPicPr>
+        <p:blipFill>
+          <a:blip r:embed="rId2"/>
+          <a:stretch>
+            <a:fillRect/>
+          </a:stretch>
+        </p:blipFill>
+        <p:spPr>
+          <a:xfrm>
+            <a:off x="10503035" y="275190"/>
+            <a:ext cx="1079365" cy="380952"/>
+          </a:xfrm>
+          <a:prstGeom prst="rect">
+            <a:avLst/>
+          </a:prstGeom>
+        </p:spPr>
+      </p:pic>
     </p:spTree>
     <p:extLst>
       <p:ext uri="{BB962C8B-B14F-4D97-AF65-F5344CB8AC3E}">
@@ -4377,7 +4377,7 @@
           <a:p>
             <a:fld id="{B590C078-9131-4E49-8A0D-400FEE8377B5}" type="datetimeFigureOut">
               <a:rPr lang="en-US" smtClean="0"/>
-              <a:t>10/26/2021</a:t>
+              <a:t>2/20/2025</a:t>
             </a:fld>
             <a:endParaRPr lang="en-US"/>
           </a:p>
@@ -4553,36 +4553,6 @@
           </a:p>
         </p:txBody>
       </p:sp>
-      <p:pic>
-        <p:nvPicPr>
-          <p:cNvPr id="11" name="Picture 10"/>
-          <p:cNvPicPr>
-            <a:picLocks noChangeAspect="1"/>
-          </p:cNvPicPr>
-          <p:nvPr userDrawn="1"/>
-        </p:nvPicPr>
-        <p:blipFill>
-          <a:blip r:embed="rId2">
-            <a:extLst>
-              <a:ext uri="{28A0092B-C50C-407E-A947-70E740481C1C}">
-                <a14:useLocalDpi xmlns:a14="http://schemas.microsoft.com/office/drawing/2010/main" val="0"/>
-              </a:ext>
-            </a:extLst>
-          </a:blip>
-          <a:stretch>
-            <a:fillRect/>
-          </a:stretch>
-        </p:blipFill>
-        <p:spPr>
-          <a:xfrm>
-            <a:off x="9578792" y="333532"/>
-            <a:ext cx="2003608" cy="247337"/>
-          </a:xfrm>
-          <a:prstGeom prst="rect">
-            <a:avLst/>
-          </a:prstGeom>
-        </p:spPr>
-      </p:pic>
       <p:sp>
         <p:nvSpPr>
           <p:cNvPr id="10" name="TextBox 9"/>
@@ -4762,6 +4732,36 @@
           </a:p>
         </p:txBody>
       </p:sp>
+      <p:pic>
+        <p:nvPicPr>
+          <p:cNvPr id="2" name="Picture 1">
+            <a:extLst>
+              <a:ext uri="{FF2B5EF4-FFF2-40B4-BE49-F238E27FC236}">
+                <a16:creationId xmlns:a16="http://schemas.microsoft.com/office/drawing/2014/main" id="{C64C9EF8-B56E-C34B-5229-C7347F236491}"/>
+              </a:ext>
+            </a:extLst>
+          </p:cNvPr>
+          <p:cNvPicPr>
+            <a:picLocks noChangeAspect="1"/>
+          </p:cNvPicPr>
+          <p:nvPr userDrawn="1"/>
+        </p:nvPicPr>
+        <p:blipFill>
+          <a:blip r:embed="rId2"/>
+          <a:stretch>
+            <a:fillRect/>
+          </a:stretch>
+        </p:blipFill>
+        <p:spPr>
+          <a:xfrm>
+            <a:off x="10503035" y="275190"/>
+            <a:ext cx="1079365" cy="380952"/>
+          </a:xfrm>
+          <a:prstGeom prst="rect">
+            <a:avLst/>
+          </a:prstGeom>
+        </p:spPr>
+      </p:pic>
     </p:spTree>
     <p:extLst>
       <p:ext uri="{BB962C8B-B14F-4D97-AF65-F5344CB8AC3E}">
@@ -4902,36 +4902,6 @@
           </a:p>
         </p:txBody>
       </p:sp>
-      <p:pic>
-        <p:nvPicPr>
-          <p:cNvPr id="11" name="Picture 10"/>
-          <p:cNvPicPr>
-            <a:picLocks noChangeAspect="1"/>
-          </p:cNvPicPr>
-          <p:nvPr userDrawn="1"/>
-        </p:nvPicPr>
-        <p:blipFill>
-          <a:blip r:embed="rId2">
-            <a:extLst>
-              <a:ext uri="{28A0092B-C50C-407E-A947-70E740481C1C}">
-                <a14:useLocalDpi xmlns:a14="http://schemas.microsoft.com/office/drawing/2010/main" val="0"/>
-              </a:ext>
-            </a:extLst>
-          </a:blip>
-          <a:stretch>
-            <a:fillRect/>
-          </a:stretch>
-        </p:blipFill>
-        <p:spPr>
-          <a:xfrm>
-            <a:off x="9578792" y="333532"/>
-            <a:ext cx="2003608" cy="247337"/>
-          </a:xfrm>
-          <a:prstGeom prst="rect">
-            <a:avLst/>
-          </a:prstGeom>
-        </p:spPr>
-      </p:pic>
       <p:sp>
         <p:nvSpPr>
           <p:cNvPr id="10" name="TextBox 9"/>
@@ -5111,6 +5081,36 @@
           </a:p>
         </p:txBody>
       </p:sp>
+      <p:pic>
+        <p:nvPicPr>
+          <p:cNvPr id="2" name="Picture 1">
+            <a:extLst>
+              <a:ext uri="{FF2B5EF4-FFF2-40B4-BE49-F238E27FC236}">
+                <a16:creationId xmlns:a16="http://schemas.microsoft.com/office/drawing/2014/main" id="{A43C45E9-92C3-CF79-A8B3-1C0BD4FDEACD}"/>
+              </a:ext>
+            </a:extLst>
+          </p:cNvPr>
+          <p:cNvPicPr>
+            <a:picLocks noChangeAspect="1"/>
+          </p:cNvPicPr>
+          <p:nvPr userDrawn="1"/>
+        </p:nvPicPr>
+        <p:blipFill>
+          <a:blip r:embed="rId2"/>
+          <a:stretch>
+            <a:fillRect/>
+          </a:stretch>
+        </p:blipFill>
+        <p:spPr>
+          <a:xfrm>
+            <a:off x="10503035" y="275190"/>
+            <a:ext cx="1079365" cy="380952"/>
+          </a:xfrm>
+          <a:prstGeom prst="rect">
+            <a:avLst/>
+          </a:prstGeom>
+        </p:spPr>
+      </p:pic>
     </p:spTree>
     <p:extLst>
       <p:ext uri="{BB962C8B-B14F-4D97-AF65-F5344CB8AC3E}">
@@ -5248,36 +5248,6 @@
           </a:p>
         </p:txBody>
       </p:sp>
-      <p:pic>
-        <p:nvPicPr>
-          <p:cNvPr id="11" name="Picture 10"/>
-          <p:cNvPicPr>
-            <a:picLocks noChangeAspect="1"/>
-          </p:cNvPicPr>
-          <p:nvPr userDrawn="1"/>
-        </p:nvPicPr>
-        <p:blipFill>
-          <a:blip r:embed="rId2">
-            <a:extLst>
-              <a:ext uri="{28A0092B-C50C-407E-A947-70E740481C1C}">
-                <a14:useLocalDpi xmlns:a14="http://schemas.microsoft.com/office/drawing/2010/main" val="0"/>
-              </a:ext>
-            </a:extLst>
-          </a:blip>
-          <a:stretch>
-            <a:fillRect/>
-          </a:stretch>
-        </p:blipFill>
-        <p:spPr>
-          <a:xfrm>
-            <a:off x="9578792" y="333532"/>
-            <a:ext cx="2003608" cy="247337"/>
-          </a:xfrm>
-          <a:prstGeom prst="rect">
-            <a:avLst/>
-          </a:prstGeom>
-        </p:spPr>
-      </p:pic>
       <p:sp>
         <p:nvSpPr>
           <p:cNvPr id="10" name="TextBox 9"/>
@@ -5457,6 +5427,36 @@
           </a:p>
         </p:txBody>
       </p:sp>
+      <p:pic>
+        <p:nvPicPr>
+          <p:cNvPr id="2" name="Picture 1">
+            <a:extLst>
+              <a:ext uri="{FF2B5EF4-FFF2-40B4-BE49-F238E27FC236}">
+                <a16:creationId xmlns:a16="http://schemas.microsoft.com/office/drawing/2014/main" id="{EA51B998-B8B2-148C-BE82-7A2AFD07D162}"/>
+              </a:ext>
+            </a:extLst>
+          </p:cNvPr>
+          <p:cNvPicPr>
+            <a:picLocks noChangeAspect="1"/>
+          </p:cNvPicPr>
+          <p:nvPr userDrawn="1"/>
+        </p:nvPicPr>
+        <p:blipFill>
+          <a:blip r:embed="rId2"/>
+          <a:stretch>
+            <a:fillRect/>
+          </a:stretch>
+        </p:blipFill>
+        <p:spPr>
+          <a:xfrm>
+            <a:off x="10503035" y="275190"/>
+            <a:ext cx="1079365" cy="380952"/>
+          </a:xfrm>
+          <a:prstGeom prst="rect">
+            <a:avLst/>
+          </a:prstGeom>
+        </p:spPr>
+      </p:pic>
     </p:spTree>
     <p:extLst>
       <p:ext uri="{BB962C8B-B14F-4D97-AF65-F5344CB8AC3E}">
@@ -5594,36 +5594,6 @@
           </a:p>
         </p:txBody>
       </p:sp>
-      <p:pic>
-        <p:nvPicPr>
-          <p:cNvPr id="37" name="Picture 36"/>
-          <p:cNvPicPr>
-            <a:picLocks noChangeAspect="1"/>
-          </p:cNvPicPr>
-          <p:nvPr userDrawn="1"/>
-        </p:nvPicPr>
-        <p:blipFill>
-          <a:blip r:embed="rId2">
-            <a:extLst>
-              <a:ext uri="{28A0092B-C50C-407E-A947-70E740481C1C}">
-                <a14:useLocalDpi xmlns:a14="http://schemas.microsoft.com/office/drawing/2010/main" val="0"/>
-              </a:ext>
-            </a:extLst>
-          </a:blip>
-          <a:stretch>
-            <a:fillRect/>
-          </a:stretch>
-        </p:blipFill>
-        <p:spPr>
-          <a:xfrm>
-            <a:off x="9578792" y="333532"/>
-            <a:ext cx="2003608" cy="247337"/>
-          </a:xfrm>
-          <a:prstGeom prst="rect">
-            <a:avLst/>
-          </a:prstGeom>
-        </p:spPr>
-      </p:pic>
       <p:sp>
         <p:nvSpPr>
           <p:cNvPr id="11" name="TextBox 10"/>
@@ -5849,6 +5819,36 @@
           </a:p>
         </p:txBody>
       </p:sp>
+      <p:pic>
+        <p:nvPicPr>
+          <p:cNvPr id="2" name="Picture 1">
+            <a:extLst>
+              <a:ext uri="{FF2B5EF4-FFF2-40B4-BE49-F238E27FC236}">
+                <a16:creationId xmlns:a16="http://schemas.microsoft.com/office/drawing/2014/main" id="{80AAEF52-8BBA-AD66-FA48-00B500297ABF}"/>
+              </a:ext>
+            </a:extLst>
+          </p:cNvPr>
+          <p:cNvPicPr>
+            <a:picLocks noChangeAspect="1"/>
+          </p:cNvPicPr>
+          <p:nvPr userDrawn="1"/>
+        </p:nvPicPr>
+        <p:blipFill>
+          <a:blip r:embed="rId2"/>
+          <a:stretch>
+            <a:fillRect/>
+          </a:stretch>
+        </p:blipFill>
+        <p:spPr>
+          <a:xfrm>
+            <a:off x="10503035" y="275190"/>
+            <a:ext cx="1079365" cy="380952"/>
+          </a:xfrm>
+          <a:prstGeom prst="rect">
+            <a:avLst/>
+          </a:prstGeom>
+        </p:spPr>
+      </p:pic>
     </p:spTree>
     <p:extLst>
       <p:ext uri="{BB962C8B-B14F-4D97-AF65-F5344CB8AC3E}">
@@ -5986,36 +5986,6 @@
           </a:p>
         </p:txBody>
       </p:sp>
-      <p:pic>
-        <p:nvPicPr>
-          <p:cNvPr id="37" name="Picture 36"/>
-          <p:cNvPicPr>
-            <a:picLocks noChangeAspect="1"/>
-          </p:cNvPicPr>
-          <p:nvPr userDrawn="1"/>
-        </p:nvPicPr>
-        <p:blipFill>
-          <a:blip r:embed="rId2">
-            <a:extLst>
-              <a:ext uri="{28A0092B-C50C-407E-A947-70E740481C1C}">
-                <a14:useLocalDpi xmlns:a14="http://schemas.microsoft.com/office/drawing/2010/main" val="0"/>
-              </a:ext>
-            </a:extLst>
-          </a:blip>
-          <a:stretch>
-            <a:fillRect/>
-          </a:stretch>
-        </p:blipFill>
-        <p:spPr>
-          <a:xfrm>
-            <a:off x="9578792" y="333532"/>
-            <a:ext cx="2003608" cy="247337"/>
-          </a:xfrm>
-          <a:prstGeom prst="rect">
-            <a:avLst/>
-          </a:prstGeom>
-        </p:spPr>
-      </p:pic>
       <p:sp>
         <p:nvSpPr>
           <p:cNvPr id="11" name="TextBox 10"/>
@@ -6241,6 +6211,36 @@
           </a:p>
         </p:txBody>
       </p:sp>
+      <p:pic>
+        <p:nvPicPr>
+          <p:cNvPr id="2" name="Picture 1">
+            <a:extLst>
+              <a:ext uri="{FF2B5EF4-FFF2-40B4-BE49-F238E27FC236}">
+                <a16:creationId xmlns:a16="http://schemas.microsoft.com/office/drawing/2014/main" id="{F25AA715-11EE-4792-839A-D2D8C78ADFEE}"/>
+              </a:ext>
+            </a:extLst>
+          </p:cNvPr>
+          <p:cNvPicPr>
+            <a:picLocks noChangeAspect="1"/>
+          </p:cNvPicPr>
+          <p:nvPr userDrawn="1"/>
+        </p:nvPicPr>
+        <p:blipFill>
+          <a:blip r:embed="rId2"/>
+          <a:stretch>
+            <a:fillRect/>
+          </a:stretch>
+        </p:blipFill>
+        <p:spPr>
+          <a:xfrm>
+            <a:off x="10503035" y="275190"/>
+            <a:ext cx="1079365" cy="380952"/>
+          </a:xfrm>
+          <a:prstGeom prst="rect">
+            <a:avLst/>
+          </a:prstGeom>
+        </p:spPr>
+      </p:pic>
     </p:spTree>
     <p:extLst>
       <p:ext uri="{BB962C8B-B14F-4D97-AF65-F5344CB8AC3E}">
@@ -6378,36 +6378,6 @@
           </a:p>
         </p:txBody>
       </p:sp>
-      <p:pic>
-        <p:nvPicPr>
-          <p:cNvPr id="25" name="Picture 24"/>
-          <p:cNvPicPr>
-            <a:picLocks noChangeAspect="1"/>
-          </p:cNvPicPr>
-          <p:nvPr userDrawn="1"/>
-        </p:nvPicPr>
-        <p:blipFill>
-          <a:blip r:embed="rId2">
-            <a:extLst>
-              <a:ext uri="{28A0092B-C50C-407E-A947-70E740481C1C}">
-                <a14:useLocalDpi xmlns:a14="http://schemas.microsoft.com/office/drawing/2010/main" val="0"/>
-              </a:ext>
-            </a:extLst>
-          </a:blip>
-          <a:stretch>
-            <a:fillRect/>
-          </a:stretch>
-        </p:blipFill>
-        <p:spPr>
-          <a:xfrm>
-            <a:off x="9578792" y="333532"/>
-            <a:ext cx="2003608" cy="247337"/>
-          </a:xfrm>
-          <a:prstGeom prst="rect">
-            <a:avLst/>
-          </a:prstGeom>
-        </p:spPr>
-      </p:pic>
       <p:sp>
         <p:nvSpPr>
           <p:cNvPr id="11" name="TextBox 10"/>
@@ -6633,6 +6603,36 @@
           </a:p>
         </p:txBody>
       </p:sp>
+      <p:pic>
+        <p:nvPicPr>
+          <p:cNvPr id="2" name="Picture 1">
+            <a:extLst>
+              <a:ext uri="{FF2B5EF4-FFF2-40B4-BE49-F238E27FC236}">
+                <a16:creationId xmlns:a16="http://schemas.microsoft.com/office/drawing/2014/main" id="{7642F1D3-013A-1129-390D-96D754B8198B}"/>
+              </a:ext>
+            </a:extLst>
+          </p:cNvPr>
+          <p:cNvPicPr>
+            <a:picLocks noChangeAspect="1"/>
+          </p:cNvPicPr>
+          <p:nvPr userDrawn="1"/>
+        </p:nvPicPr>
+        <p:blipFill>
+          <a:blip r:embed="rId2"/>
+          <a:stretch>
+            <a:fillRect/>
+          </a:stretch>
+        </p:blipFill>
+        <p:spPr>
+          <a:xfrm>
+            <a:off x="10503035" y="275190"/>
+            <a:ext cx="1079365" cy="380952"/>
+          </a:xfrm>
+          <a:prstGeom prst="rect">
+            <a:avLst/>
+          </a:prstGeom>
+        </p:spPr>
+      </p:pic>
     </p:spTree>
     <p:extLst>
       <p:ext uri="{BB962C8B-B14F-4D97-AF65-F5344CB8AC3E}">
@@ -6770,36 +6770,6 @@
           </a:p>
         </p:txBody>
       </p:sp>
-      <p:pic>
-        <p:nvPicPr>
-          <p:cNvPr id="25" name="Picture 24"/>
-          <p:cNvPicPr>
-            <a:picLocks noChangeAspect="1"/>
-          </p:cNvPicPr>
-          <p:nvPr userDrawn="1"/>
-        </p:nvPicPr>
-        <p:blipFill>
-          <a:blip r:embed="rId2">
-            <a:extLst>
-              <a:ext uri="{28A0092B-C50C-407E-A947-70E740481C1C}">
-                <a14:useLocalDpi xmlns:a14="http://schemas.microsoft.com/office/drawing/2010/main" val="0"/>
-              </a:ext>
-            </a:extLst>
-          </a:blip>
-          <a:stretch>
-            <a:fillRect/>
-          </a:stretch>
-        </p:blipFill>
-        <p:spPr>
-          <a:xfrm>
-            <a:off x="9578792" y="333532"/>
-            <a:ext cx="2003608" cy="247337"/>
-          </a:xfrm>
-          <a:prstGeom prst="rect">
-            <a:avLst/>
-          </a:prstGeom>
-        </p:spPr>
-      </p:pic>
       <p:sp>
         <p:nvSpPr>
           <p:cNvPr id="11" name="TextBox 10"/>
@@ -7025,6 +6995,36 @@
           </a:p>
         </p:txBody>
       </p:sp>
+      <p:pic>
+        <p:nvPicPr>
+          <p:cNvPr id="2" name="Picture 1">
+            <a:extLst>
+              <a:ext uri="{FF2B5EF4-FFF2-40B4-BE49-F238E27FC236}">
+                <a16:creationId xmlns:a16="http://schemas.microsoft.com/office/drawing/2014/main" id="{37D14D14-1643-E88E-2F7D-BA2697B6C00B}"/>
+              </a:ext>
+            </a:extLst>
+          </p:cNvPr>
+          <p:cNvPicPr>
+            <a:picLocks noChangeAspect="1"/>
+          </p:cNvPicPr>
+          <p:nvPr userDrawn="1"/>
+        </p:nvPicPr>
+        <p:blipFill>
+          <a:blip r:embed="rId2"/>
+          <a:stretch>
+            <a:fillRect/>
+          </a:stretch>
+        </p:blipFill>
+        <p:spPr>
+          <a:xfrm>
+            <a:off x="10503035" y="275190"/>
+            <a:ext cx="1079365" cy="380952"/>
+          </a:xfrm>
+          <a:prstGeom prst="rect">
+            <a:avLst/>
+          </a:prstGeom>
+        </p:spPr>
+      </p:pic>
     </p:spTree>
     <p:extLst>
       <p:ext uri="{BB962C8B-B14F-4D97-AF65-F5344CB8AC3E}">
@@ -7162,36 +7162,6 @@
           </a:p>
         </p:txBody>
       </p:sp>
-      <p:pic>
-        <p:nvPicPr>
-          <p:cNvPr id="28" name="Picture 27"/>
-          <p:cNvPicPr>
-            <a:picLocks noChangeAspect="1"/>
-          </p:cNvPicPr>
-          <p:nvPr userDrawn="1"/>
-        </p:nvPicPr>
-        <p:blipFill>
-          <a:blip r:embed="rId2">
-            <a:extLst>
-              <a:ext uri="{28A0092B-C50C-407E-A947-70E740481C1C}">
-                <a14:useLocalDpi xmlns:a14="http://schemas.microsoft.com/office/drawing/2010/main" val="0"/>
-              </a:ext>
-            </a:extLst>
-          </a:blip>
-          <a:stretch>
-            <a:fillRect/>
-          </a:stretch>
-        </p:blipFill>
-        <p:spPr>
-          <a:xfrm>
-            <a:off x="9578792" y="333532"/>
-            <a:ext cx="2003608" cy="247337"/>
-          </a:xfrm>
-          <a:prstGeom prst="rect">
-            <a:avLst/>
-          </a:prstGeom>
-        </p:spPr>
-      </p:pic>
       <p:sp>
         <p:nvSpPr>
           <p:cNvPr id="11" name="TextBox 10"/>
@@ -7417,6 +7387,36 @@
           </a:p>
         </p:txBody>
       </p:sp>
+      <p:pic>
+        <p:nvPicPr>
+          <p:cNvPr id="2" name="Picture 1">
+            <a:extLst>
+              <a:ext uri="{FF2B5EF4-FFF2-40B4-BE49-F238E27FC236}">
+                <a16:creationId xmlns:a16="http://schemas.microsoft.com/office/drawing/2014/main" id="{F77CFB43-1E93-2A08-6D8D-8AAC4768924F}"/>
+              </a:ext>
+            </a:extLst>
+          </p:cNvPr>
+          <p:cNvPicPr>
+            <a:picLocks noChangeAspect="1"/>
+          </p:cNvPicPr>
+          <p:nvPr userDrawn="1"/>
+        </p:nvPicPr>
+        <p:blipFill>
+          <a:blip r:embed="rId2"/>
+          <a:stretch>
+            <a:fillRect/>
+          </a:stretch>
+        </p:blipFill>
+        <p:spPr>
+          <a:xfrm>
+            <a:off x="10503035" y="275190"/>
+            <a:ext cx="1079365" cy="380952"/>
+          </a:xfrm>
+          <a:prstGeom prst="rect">
+            <a:avLst/>
+          </a:prstGeom>
+        </p:spPr>
+      </p:pic>
     </p:spTree>
     <p:extLst>
       <p:ext uri="{BB962C8B-B14F-4D97-AF65-F5344CB8AC3E}">
@@ -7554,36 +7554,6 @@
           </a:p>
         </p:txBody>
       </p:sp>
-      <p:pic>
-        <p:nvPicPr>
-          <p:cNvPr id="25" name="Picture 24"/>
-          <p:cNvPicPr>
-            <a:picLocks noChangeAspect="1"/>
-          </p:cNvPicPr>
-          <p:nvPr userDrawn="1"/>
-        </p:nvPicPr>
-        <p:blipFill>
-          <a:blip r:embed="rId2">
-            <a:extLst>
-              <a:ext uri="{28A0092B-C50C-407E-A947-70E740481C1C}">
-                <a14:useLocalDpi xmlns:a14="http://schemas.microsoft.com/office/drawing/2010/main" val="0"/>
-              </a:ext>
-            </a:extLst>
-          </a:blip>
-          <a:stretch>
-            <a:fillRect/>
-          </a:stretch>
-        </p:blipFill>
-        <p:spPr>
-          <a:xfrm>
-            <a:off x="9578792" y="333532"/>
-            <a:ext cx="2003608" cy="247337"/>
-          </a:xfrm>
-          <a:prstGeom prst="rect">
-            <a:avLst/>
-          </a:prstGeom>
-        </p:spPr>
-      </p:pic>
       <p:sp>
         <p:nvSpPr>
           <p:cNvPr id="11" name="TextBox 10"/>
@@ -7803,6 +7773,36 @@
           </a:p>
         </p:txBody>
       </p:sp>
+      <p:pic>
+        <p:nvPicPr>
+          <p:cNvPr id="2" name="Picture 1">
+            <a:extLst>
+              <a:ext uri="{FF2B5EF4-FFF2-40B4-BE49-F238E27FC236}">
+                <a16:creationId xmlns:a16="http://schemas.microsoft.com/office/drawing/2014/main" id="{5A631783-4D31-6A88-AAEA-BE930767CED2}"/>
+              </a:ext>
+            </a:extLst>
+          </p:cNvPr>
+          <p:cNvPicPr>
+            <a:picLocks noChangeAspect="1"/>
+          </p:cNvPicPr>
+          <p:nvPr userDrawn="1"/>
+        </p:nvPicPr>
+        <p:blipFill>
+          <a:blip r:embed="rId2"/>
+          <a:stretch>
+            <a:fillRect/>
+          </a:stretch>
+        </p:blipFill>
+        <p:spPr>
+          <a:xfrm>
+            <a:off x="10503035" y="275190"/>
+            <a:ext cx="1079365" cy="380952"/>
+          </a:xfrm>
+          <a:prstGeom prst="rect">
+            <a:avLst/>
+          </a:prstGeom>
+        </p:spPr>
+      </p:pic>
     </p:spTree>
     <p:extLst>
       <p:ext uri="{BB962C8B-B14F-4D97-AF65-F5344CB8AC3E}">
@@ -7940,36 +7940,6 @@
           </a:p>
         </p:txBody>
       </p:sp>
-      <p:pic>
-        <p:nvPicPr>
-          <p:cNvPr id="26" name="Picture 25"/>
-          <p:cNvPicPr>
-            <a:picLocks noChangeAspect="1"/>
-          </p:cNvPicPr>
-          <p:nvPr userDrawn="1"/>
-        </p:nvPicPr>
-        <p:blipFill>
-          <a:blip r:embed="rId2">
-            <a:extLst>
-              <a:ext uri="{28A0092B-C50C-407E-A947-70E740481C1C}">
-                <a14:useLocalDpi xmlns:a14="http://schemas.microsoft.com/office/drawing/2010/main" val="0"/>
-              </a:ext>
-            </a:extLst>
-          </a:blip>
-          <a:stretch>
-            <a:fillRect/>
-          </a:stretch>
-        </p:blipFill>
-        <p:spPr>
-          <a:xfrm>
-            <a:off x="9578792" y="333532"/>
-            <a:ext cx="2003608" cy="247337"/>
-          </a:xfrm>
-          <a:prstGeom prst="rect">
-            <a:avLst/>
-          </a:prstGeom>
-        </p:spPr>
-      </p:pic>
       <p:sp>
         <p:nvSpPr>
           <p:cNvPr id="11" name="TextBox 10"/>
@@ -8189,6 +8159,36 @@
           </a:p>
         </p:txBody>
       </p:sp>
+      <p:pic>
+        <p:nvPicPr>
+          <p:cNvPr id="3" name="Picture 2">
+            <a:extLst>
+              <a:ext uri="{FF2B5EF4-FFF2-40B4-BE49-F238E27FC236}">
+                <a16:creationId xmlns:a16="http://schemas.microsoft.com/office/drawing/2014/main" id="{3E4D981F-4144-1215-320F-361D1947A60A}"/>
+              </a:ext>
+            </a:extLst>
+          </p:cNvPr>
+          <p:cNvPicPr>
+            <a:picLocks noChangeAspect="1"/>
+          </p:cNvPicPr>
+          <p:nvPr userDrawn="1"/>
+        </p:nvPicPr>
+        <p:blipFill>
+          <a:blip r:embed="rId2"/>
+          <a:stretch>
+            <a:fillRect/>
+          </a:stretch>
+        </p:blipFill>
+        <p:spPr>
+          <a:xfrm>
+            <a:off x="10503035" y="275190"/>
+            <a:ext cx="1079365" cy="380952"/>
+          </a:xfrm>
+          <a:prstGeom prst="rect">
+            <a:avLst/>
+          </a:prstGeom>
+        </p:spPr>
+      </p:pic>
     </p:spTree>
     <p:extLst>
       <p:ext uri="{BB962C8B-B14F-4D97-AF65-F5344CB8AC3E}">
@@ -8455,7 +8455,7 @@
           <a:p>
             <a:fld id="{B590C078-9131-4E49-8A0D-400FEE8377B5}" type="datetimeFigureOut">
               <a:rPr lang="en-US" smtClean="0"/>
-              <a:t>10/26/2021</a:t>
+              <a:t>2/20/2025</a:t>
             </a:fld>
             <a:endParaRPr lang="en-US"/>
           </a:p>
@@ -8767,31 +8767,6 @@
           </a:p>
         </p:txBody>
       </p:sp>
-      <p:pic>
-        <p:nvPicPr>
-          <p:cNvPr id="3" name="Picture 2" descr="CAST_grey_100_bl.jpg"/>
-          <p:cNvPicPr>
-            <a:picLocks noChangeAspect="1"/>
-          </p:cNvPicPr>
-          <p:nvPr userDrawn="1"/>
-        </p:nvPicPr>
-        <p:blipFill>
-          <a:blip r:embed="rId2" cstate="print"/>
-          <a:srcRect b="42816"/>
-          <a:stretch>
-            <a:fillRect/>
-          </a:stretch>
-        </p:blipFill>
-        <p:spPr>
-          <a:xfrm>
-            <a:off x="9579864" y="457200"/>
-            <a:ext cx="2002536" cy="222877"/>
-          </a:xfrm>
-          <a:prstGeom prst="rect">
-            <a:avLst/>
-          </a:prstGeom>
-        </p:spPr>
-      </p:pic>
       <p:sp>
         <p:nvSpPr>
           <p:cNvPr id="5" name="Rectangle 4"/>
@@ -10320,6 +10295,36 @@
           </a:p>
         </p:txBody>
       </p:sp>
+      <p:pic>
+        <p:nvPicPr>
+          <p:cNvPr id="29" name="Picture 28">
+            <a:extLst>
+              <a:ext uri="{FF2B5EF4-FFF2-40B4-BE49-F238E27FC236}">
+                <a16:creationId xmlns:a16="http://schemas.microsoft.com/office/drawing/2014/main" id="{78965A0B-98B8-08F6-81A1-1E1FF8A30044}"/>
+              </a:ext>
+            </a:extLst>
+          </p:cNvPr>
+          <p:cNvPicPr>
+            <a:picLocks noChangeAspect="1"/>
+          </p:cNvPicPr>
+          <p:nvPr userDrawn="1"/>
+        </p:nvPicPr>
+        <p:blipFill>
+          <a:blip r:embed="rId2"/>
+          <a:stretch>
+            <a:fillRect/>
+          </a:stretch>
+        </p:blipFill>
+        <p:spPr>
+          <a:xfrm>
+            <a:off x="10521194" y="275190"/>
+            <a:ext cx="1079365" cy="380952"/>
+          </a:xfrm>
+          <a:prstGeom prst="rect">
+            <a:avLst/>
+          </a:prstGeom>
+        </p:spPr>
+      </p:pic>
     </p:spTree>
     <p:extLst>
       <p:ext uri="{BB962C8B-B14F-4D97-AF65-F5344CB8AC3E}">
@@ -10575,36 +10580,6 @@
           </a:p>
         </p:txBody>
       </p:sp>
-      <p:pic>
-        <p:nvPicPr>
-          <p:cNvPr id="8" name="Picture 7"/>
-          <p:cNvPicPr>
-            <a:picLocks noChangeAspect="1"/>
-          </p:cNvPicPr>
-          <p:nvPr userDrawn="1"/>
-        </p:nvPicPr>
-        <p:blipFill>
-          <a:blip r:embed="rId3">
-            <a:extLst>
-              <a:ext uri="{28A0092B-C50C-407E-A947-70E740481C1C}">
-                <a14:useLocalDpi xmlns:a14="http://schemas.microsoft.com/office/drawing/2010/main" val="0"/>
-              </a:ext>
-            </a:extLst>
-          </a:blip>
-          <a:stretch>
-            <a:fillRect/>
-          </a:stretch>
-        </p:blipFill>
-        <p:spPr>
-          <a:xfrm>
-            <a:off x="9578792" y="333532"/>
-            <a:ext cx="2003608" cy="247337"/>
-          </a:xfrm>
-          <a:prstGeom prst="rect">
-            <a:avLst/>
-          </a:prstGeom>
-        </p:spPr>
-      </p:pic>
       <p:sp>
         <p:nvSpPr>
           <p:cNvPr id="18" name="Text Placeholder 17"/>
@@ -10746,6 +10721,36 @@
           </a:p>
         </p:txBody>
       </p:sp>
+      <p:pic>
+        <p:nvPicPr>
+          <p:cNvPr id="2" name="Picture 1">
+            <a:extLst>
+              <a:ext uri="{FF2B5EF4-FFF2-40B4-BE49-F238E27FC236}">
+                <a16:creationId xmlns:a16="http://schemas.microsoft.com/office/drawing/2014/main" id="{C142268E-5F28-2D4A-215F-A469545964B7}"/>
+              </a:ext>
+            </a:extLst>
+          </p:cNvPr>
+          <p:cNvPicPr>
+            <a:picLocks noChangeAspect="1"/>
+          </p:cNvPicPr>
+          <p:nvPr userDrawn="1"/>
+        </p:nvPicPr>
+        <p:blipFill>
+          <a:blip r:embed="rId3"/>
+          <a:stretch>
+            <a:fillRect/>
+          </a:stretch>
+        </p:blipFill>
+        <p:spPr>
+          <a:xfrm>
+            <a:off x="10503035" y="275190"/>
+            <a:ext cx="1079365" cy="380952"/>
+          </a:xfrm>
+          <a:prstGeom prst="rect">
+            <a:avLst/>
+          </a:prstGeom>
+        </p:spPr>
+      </p:pic>
     </p:spTree>
     <p:extLst>
       <p:ext uri="{BB962C8B-B14F-4D97-AF65-F5344CB8AC3E}">
@@ -10998,36 +11003,6 @@
           </a:p>
         </p:txBody>
       </p:sp>
-      <p:pic>
-        <p:nvPicPr>
-          <p:cNvPr id="8" name="Picture 7"/>
-          <p:cNvPicPr>
-            <a:picLocks noChangeAspect="1"/>
-          </p:cNvPicPr>
-          <p:nvPr userDrawn="1"/>
-        </p:nvPicPr>
-        <p:blipFill>
-          <a:blip r:embed="rId3">
-            <a:extLst>
-              <a:ext uri="{28A0092B-C50C-407E-A947-70E740481C1C}">
-                <a14:useLocalDpi xmlns:a14="http://schemas.microsoft.com/office/drawing/2010/main" val="0"/>
-              </a:ext>
-            </a:extLst>
-          </a:blip>
-          <a:stretch>
-            <a:fillRect/>
-          </a:stretch>
-        </p:blipFill>
-        <p:spPr>
-          <a:xfrm>
-            <a:off x="9578792" y="333532"/>
-            <a:ext cx="2003608" cy="247337"/>
-          </a:xfrm>
-          <a:prstGeom prst="rect">
-            <a:avLst/>
-          </a:prstGeom>
-        </p:spPr>
-      </p:pic>
       <p:sp>
         <p:nvSpPr>
           <p:cNvPr id="12" name="Text Placeholder 17"/>
@@ -11169,6 +11144,36 @@
           </a:p>
         </p:txBody>
       </p:sp>
+      <p:pic>
+        <p:nvPicPr>
+          <p:cNvPr id="2" name="Picture 1">
+            <a:extLst>
+              <a:ext uri="{FF2B5EF4-FFF2-40B4-BE49-F238E27FC236}">
+                <a16:creationId xmlns:a16="http://schemas.microsoft.com/office/drawing/2014/main" id="{47AD5409-9B94-CA87-4A31-B8CDB8DECF1E}"/>
+              </a:ext>
+            </a:extLst>
+          </p:cNvPr>
+          <p:cNvPicPr>
+            <a:picLocks noChangeAspect="1"/>
+          </p:cNvPicPr>
+          <p:nvPr userDrawn="1"/>
+        </p:nvPicPr>
+        <p:blipFill>
+          <a:blip r:embed="rId3"/>
+          <a:stretch>
+            <a:fillRect/>
+          </a:stretch>
+        </p:blipFill>
+        <p:spPr>
+          <a:xfrm>
+            <a:off x="10503035" y="275190"/>
+            <a:ext cx="1079365" cy="380952"/>
+          </a:xfrm>
+          <a:prstGeom prst="rect">
+            <a:avLst/>
+          </a:prstGeom>
+        </p:spPr>
+      </p:pic>
     </p:spTree>
     <p:extLst>
       <p:ext uri="{BB962C8B-B14F-4D97-AF65-F5344CB8AC3E}">
@@ -11419,36 +11424,6 @@
           </a:p>
         </p:txBody>
       </p:sp>
-      <p:pic>
-        <p:nvPicPr>
-          <p:cNvPr id="8" name="Picture 7"/>
-          <p:cNvPicPr>
-            <a:picLocks noChangeAspect="1"/>
-          </p:cNvPicPr>
-          <p:nvPr userDrawn="1"/>
-        </p:nvPicPr>
-        <p:blipFill>
-          <a:blip r:embed="rId3">
-            <a:extLst>
-              <a:ext uri="{28A0092B-C50C-407E-A947-70E740481C1C}">
-                <a14:useLocalDpi xmlns:a14="http://schemas.microsoft.com/office/drawing/2010/main" val="0"/>
-              </a:ext>
-            </a:extLst>
-          </a:blip>
-          <a:stretch>
-            <a:fillRect/>
-          </a:stretch>
-        </p:blipFill>
-        <p:spPr>
-          <a:xfrm>
-            <a:off x="9578792" y="333532"/>
-            <a:ext cx="2003608" cy="247337"/>
-          </a:xfrm>
-          <a:prstGeom prst="rect">
-            <a:avLst/>
-          </a:prstGeom>
-        </p:spPr>
-      </p:pic>
       <p:sp>
         <p:nvSpPr>
           <p:cNvPr id="11" name="Text Placeholder 17"/>
@@ -11590,6 +11565,36 @@
           </a:p>
         </p:txBody>
       </p:sp>
+      <p:pic>
+        <p:nvPicPr>
+          <p:cNvPr id="2" name="Picture 1">
+            <a:extLst>
+              <a:ext uri="{FF2B5EF4-FFF2-40B4-BE49-F238E27FC236}">
+                <a16:creationId xmlns:a16="http://schemas.microsoft.com/office/drawing/2014/main" id="{076A00E5-11F5-5DB9-58D7-498B6283F92F}"/>
+              </a:ext>
+            </a:extLst>
+          </p:cNvPr>
+          <p:cNvPicPr>
+            <a:picLocks noChangeAspect="1"/>
+          </p:cNvPicPr>
+          <p:nvPr userDrawn="1"/>
+        </p:nvPicPr>
+        <p:blipFill>
+          <a:blip r:embed="rId3"/>
+          <a:stretch>
+            <a:fillRect/>
+          </a:stretch>
+        </p:blipFill>
+        <p:spPr>
+          <a:xfrm>
+            <a:off x="10503035" y="275190"/>
+            <a:ext cx="1079365" cy="380952"/>
+          </a:xfrm>
+          <a:prstGeom prst="rect">
+            <a:avLst/>
+          </a:prstGeom>
+        </p:spPr>
+      </p:pic>
     </p:spTree>
     <p:extLst>
       <p:ext uri="{BB962C8B-B14F-4D97-AF65-F5344CB8AC3E}">
@@ -11686,31 +11691,6 @@
           <a:chExt cx="0" cy="0"/>
         </a:xfrm>
       </p:grpSpPr>
-      <p:pic>
-        <p:nvPicPr>
-          <p:cNvPr id="3" name="Picture 2" descr="CAST_grey_100_bl.jpg"/>
-          <p:cNvPicPr>
-            <a:picLocks noChangeAspect="1"/>
-          </p:cNvPicPr>
-          <p:nvPr userDrawn="1"/>
-        </p:nvPicPr>
-        <p:blipFill>
-          <a:blip r:embed="rId2" cstate="print"/>
-          <a:srcRect b="42816"/>
-          <a:stretch>
-            <a:fillRect/>
-          </a:stretch>
-        </p:blipFill>
-        <p:spPr>
-          <a:xfrm>
-            <a:off x="9381148" y="333532"/>
-            <a:ext cx="2222308" cy="247337"/>
-          </a:xfrm>
-          <a:prstGeom prst="rect">
-            <a:avLst/>
-          </a:prstGeom>
-        </p:spPr>
-      </p:pic>
       <p:sp>
         <p:nvSpPr>
           <p:cNvPr id="4" name="Slide Number Placeholder 3"/>
@@ -11771,6 +11751,36 @@
           </a:p>
         </p:txBody>
       </p:sp>
+      <p:pic>
+        <p:nvPicPr>
+          <p:cNvPr id="2" name="Picture 1">
+            <a:extLst>
+              <a:ext uri="{FF2B5EF4-FFF2-40B4-BE49-F238E27FC236}">
+                <a16:creationId xmlns:a16="http://schemas.microsoft.com/office/drawing/2014/main" id="{C2FF3983-E1E1-9A27-6167-EC45005A0E4A}"/>
+              </a:ext>
+            </a:extLst>
+          </p:cNvPr>
+          <p:cNvPicPr>
+            <a:picLocks noChangeAspect="1"/>
+          </p:cNvPicPr>
+          <p:nvPr userDrawn="1"/>
+        </p:nvPicPr>
+        <p:blipFill>
+          <a:blip r:embed="rId2"/>
+          <a:stretch>
+            <a:fillRect/>
+          </a:stretch>
+        </p:blipFill>
+        <p:spPr>
+          <a:xfrm>
+            <a:off x="10521194" y="275190"/>
+            <a:ext cx="1079365" cy="380952"/>
+          </a:xfrm>
+          <a:prstGeom prst="rect">
+            <a:avLst/>
+          </a:prstGeom>
+        </p:spPr>
+      </p:pic>
     </p:spTree>
     <p:extLst>
       <p:ext uri="{BB962C8B-B14F-4D97-AF65-F5344CB8AC3E}">
@@ -12024,36 +12034,6 @@
           </a:p>
         </p:txBody>
       </p:sp>
-      <p:pic>
-        <p:nvPicPr>
-          <p:cNvPr id="11" name="Picture 10"/>
-          <p:cNvPicPr>
-            <a:picLocks noChangeAspect="1"/>
-          </p:cNvPicPr>
-          <p:nvPr userDrawn="1"/>
-        </p:nvPicPr>
-        <p:blipFill>
-          <a:blip r:embed="rId2">
-            <a:extLst>
-              <a:ext uri="{28A0092B-C50C-407E-A947-70E740481C1C}">
-                <a14:useLocalDpi xmlns:a14="http://schemas.microsoft.com/office/drawing/2010/main" val="0"/>
-              </a:ext>
-            </a:extLst>
-          </a:blip>
-          <a:stretch>
-            <a:fillRect/>
-          </a:stretch>
-        </p:blipFill>
-        <p:spPr>
-          <a:xfrm>
-            <a:off x="9578792" y="333532"/>
-            <a:ext cx="2003608" cy="247337"/>
-          </a:xfrm>
-          <a:prstGeom prst="rect">
-            <a:avLst/>
-          </a:prstGeom>
-        </p:spPr>
-      </p:pic>
       <p:sp>
         <p:nvSpPr>
           <p:cNvPr id="9" name="Text Placeholder 7"/>
@@ -12116,6 +12096,36 @@
           </a:p>
         </p:txBody>
       </p:sp>
+      <p:pic>
+        <p:nvPicPr>
+          <p:cNvPr id="2" name="Picture 1">
+            <a:extLst>
+              <a:ext uri="{FF2B5EF4-FFF2-40B4-BE49-F238E27FC236}">
+                <a16:creationId xmlns:a16="http://schemas.microsoft.com/office/drawing/2014/main" id="{4544EABB-A33E-8C7E-F70C-B3B0A069E65E}"/>
+              </a:ext>
+            </a:extLst>
+          </p:cNvPr>
+          <p:cNvPicPr>
+            <a:picLocks noChangeAspect="1"/>
+          </p:cNvPicPr>
+          <p:nvPr userDrawn="1"/>
+        </p:nvPicPr>
+        <p:blipFill>
+          <a:blip r:embed="rId2"/>
+          <a:stretch>
+            <a:fillRect/>
+          </a:stretch>
+        </p:blipFill>
+        <p:spPr>
+          <a:xfrm>
+            <a:off x="10503035" y="275190"/>
+            <a:ext cx="1079365" cy="380952"/>
+          </a:xfrm>
+          <a:prstGeom prst="rect">
+            <a:avLst/>
+          </a:prstGeom>
+        </p:spPr>
+      </p:pic>
     </p:spTree>
     <p:extLst>
       <p:ext uri="{BB962C8B-B14F-4D97-AF65-F5344CB8AC3E}">
@@ -12280,7 +12290,7 @@
           <a:p>
             <a:fld id="{B590C078-9131-4E49-8A0D-400FEE8377B5}" type="datetimeFigureOut">
               <a:rPr lang="en-US" smtClean="0"/>
-              <a:t>10/26/2021</a:t>
+              <a:t>2/20/2025</a:t>
             </a:fld>
             <a:endParaRPr lang="en-US"/>
           </a:p>
